--- a/GitFlow/The Case for Git (Flow).pptx
+++ b/GitFlow/The Case for Git (Flow).pptx
@@ -4,14 +4,27 @@
   <p:sldMasterIdLst>
     <p:sldMasterId id="2147483708" r:id="rId1"/>
   </p:sldMasterIdLst>
+  <p:notesMasterIdLst>
+    <p:notesMasterId r:id="rId19"/>
+  </p:notesMasterIdLst>
   <p:sldIdLst>
     <p:sldId id="256" r:id="rId2"/>
     <p:sldId id="257" r:id="rId3"/>
     <p:sldId id="258" r:id="rId4"/>
-    <p:sldId id="259" r:id="rId5"/>
-    <p:sldId id="260" r:id="rId6"/>
+    <p:sldId id="260" r:id="rId5"/>
+    <p:sldId id="263" r:id="rId6"/>
     <p:sldId id="261" r:id="rId7"/>
     <p:sldId id="262" r:id="rId8"/>
+    <p:sldId id="264" r:id="rId9"/>
+    <p:sldId id="265" r:id="rId10"/>
+    <p:sldId id="266" r:id="rId11"/>
+    <p:sldId id="267" r:id="rId12"/>
+    <p:sldId id="268" r:id="rId13"/>
+    <p:sldId id="269" r:id="rId14"/>
+    <p:sldId id="270" r:id="rId15"/>
+    <p:sldId id="271" r:id="rId16"/>
+    <p:sldId id="272" r:id="rId17"/>
+    <p:sldId id="273" r:id="rId18"/>
   </p:sldIdLst>
   <p:sldSz cx="9144000" cy="6858000" type="screen4x3"/>
   <p:notesSz cx="6858000" cy="9144000"/>
@@ -113,6 +126,620 @@
 </p:presentation>
 </file>
 
+<file path=ppt/notesMasters/notesMaster1.xml><?xml version="1.0" encoding="utf-8"?>
+<p:notesMaster xmlns:a="http://schemas.openxmlformats.org/drawingml/2006/main" xmlns:r="http://schemas.openxmlformats.org/officeDocument/2006/relationships" xmlns:p="http://schemas.openxmlformats.org/presentationml/2006/main">
+  <p:cSld>
+    <p:bg>
+      <p:bgRef idx="1001">
+        <a:schemeClr val="bg1"/>
+      </p:bgRef>
+    </p:bg>
+    <p:spTree>
+      <p:nvGrpSpPr>
+        <p:cNvPr id="1" name=""/>
+        <p:cNvGrpSpPr/>
+        <p:nvPr/>
+      </p:nvGrpSpPr>
+      <p:grpSpPr>
+        <a:xfrm>
+          <a:off x="0" y="0"/>
+          <a:ext cx="0" cy="0"/>
+          <a:chOff x="0" y="0"/>
+          <a:chExt cx="0" cy="0"/>
+        </a:xfrm>
+      </p:grpSpPr>
+      <p:sp>
+        <p:nvSpPr>
+          <p:cNvPr id="2" name="Header Placeholder 1"/>
+          <p:cNvSpPr>
+            <a:spLocks noGrp="1"/>
+          </p:cNvSpPr>
+          <p:nvPr>
+            <p:ph type="hdr" sz="quarter"/>
+          </p:nvPr>
+        </p:nvSpPr>
+        <p:spPr>
+          <a:xfrm>
+            <a:off x="0" y="0"/>
+            <a:ext cx="2971800" cy="457200"/>
+          </a:xfrm>
+          <a:prstGeom prst="rect">
+            <a:avLst/>
+          </a:prstGeom>
+        </p:spPr>
+        <p:txBody>
+          <a:bodyPr vert="horz" lIns="91440" tIns="45720" rIns="91440" bIns="45720" rtlCol="0"/>
+          <a:lstStyle>
+            <a:lvl1pPr algn="l">
+              <a:defRPr sz="1200"/>
+            </a:lvl1pPr>
+          </a:lstStyle>
+          <a:p>
+            <a:endParaRPr lang="en-US"/>
+          </a:p>
+        </p:txBody>
+      </p:sp>
+      <p:sp>
+        <p:nvSpPr>
+          <p:cNvPr id="3" name="Date Placeholder 2"/>
+          <p:cNvSpPr>
+            <a:spLocks noGrp="1"/>
+          </p:cNvSpPr>
+          <p:nvPr>
+            <p:ph type="dt" idx="1"/>
+          </p:nvPr>
+        </p:nvSpPr>
+        <p:spPr>
+          <a:xfrm>
+            <a:off x="3884613" y="0"/>
+            <a:ext cx="2971800" cy="457200"/>
+          </a:xfrm>
+          <a:prstGeom prst="rect">
+            <a:avLst/>
+          </a:prstGeom>
+        </p:spPr>
+        <p:txBody>
+          <a:bodyPr vert="horz" lIns="91440" tIns="45720" rIns="91440" bIns="45720" rtlCol="0"/>
+          <a:lstStyle>
+            <a:lvl1pPr algn="r">
+              <a:defRPr sz="1200"/>
+            </a:lvl1pPr>
+          </a:lstStyle>
+          <a:p>
+            <a:fld id="{BE924D7A-9267-4865-9572-3EE379ACCE18}" type="datetimeFigureOut">
+              <a:rPr lang="en-US" smtClean="0"/>
+              <a:t>10/24/2011</a:t>
+            </a:fld>
+            <a:endParaRPr lang="en-US"/>
+          </a:p>
+        </p:txBody>
+      </p:sp>
+      <p:sp>
+        <p:nvSpPr>
+          <p:cNvPr id="4" name="Slide Image Placeholder 3"/>
+          <p:cNvSpPr>
+            <a:spLocks noGrp="1" noRot="1" noChangeAspect="1"/>
+          </p:cNvSpPr>
+          <p:nvPr>
+            <p:ph type="sldImg" idx="2"/>
+          </p:nvPr>
+        </p:nvSpPr>
+        <p:spPr>
+          <a:xfrm>
+            <a:off x="1143000" y="685800"/>
+            <a:ext cx="4572000" cy="3429000"/>
+          </a:xfrm>
+          <a:prstGeom prst="rect">
+            <a:avLst/>
+          </a:prstGeom>
+          <a:noFill/>
+          <a:ln w="12700">
+            <a:solidFill>
+              <a:prstClr val="black"/>
+            </a:solidFill>
+          </a:ln>
+        </p:spPr>
+        <p:txBody>
+          <a:bodyPr vert="horz" lIns="91440" tIns="45720" rIns="91440" bIns="45720" rtlCol="0" anchor="ctr"/>
+          <a:lstStyle/>
+          <a:p>
+            <a:endParaRPr lang="en-US"/>
+          </a:p>
+        </p:txBody>
+      </p:sp>
+      <p:sp>
+        <p:nvSpPr>
+          <p:cNvPr id="5" name="Notes Placeholder 4"/>
+          <p:cNvSpPr>
+            <a:spLocks noGrp="1"/>
+          </p:cNvSpPr>
+          <p:nvPr>
+            <p:ph type="body" sz="quarter" idx="3"/>
+          </p:nvPr>
+        </p:nvSpPr>
+        <p:spPr>
+          <a:xfrm>
+            <a:off x="685800" y="4343400"/>
+            <a:ext cx="5486400" cy="4114800"/>
+          </a:xfrm>
+          <a:prstGeom prst="rect">
+            <a:avLst/>
+          </a:prstGeom>
+        </p:spPr>
+        <p:txBody>
+          <a:bodyPr vert="horz" lIns="91440" tIns="45720" rIns="91440" bIns="45720" rtlCol="0">
+            <a:normAutofit/>
+          </a:bodyPr>
+          <a:lstStyle/>
+          <a:p>
+            <a:pPr lvl="0"/>
+            <a:r>
+              <a:rPr lang="en-US" smtClean="0"/>
+              <a:t>Click to edit Master text styles</a:t>
+            </a:r>
+          </a:p>
+          <a:p>
+            <a:pPr lvl="1"/>
+            <a:r>
+              <a:rPr lang="en-US" smtClean="0"/>
+              <a:t>Second level</a:t>
+            </a:r>
+          </a:p>
+          <a:p>
+            <a:pPr lvl="2"/>
+            <a:r>
+              <a:rPr lang="en-US" smtClean="0"/>
+              <a:t>Third level</a:t>
+            </a:r>
+          </a:p>
+          <a:p>
+            <a:pPr lvl="3"/>
+            <a:r>
+              <a:rPr lang="en-US" smtClean="0"/>
+              <a:t>Fourth level</a:t>
+            </a:r>
+          </a:p>
+          <a:p>
+            <a:pPr lvl="4"/>
+            <a:r>
+              <a:rPr lang="en-US" smtClean="0"/>
+              <a:t>Fifth level</a:t>
+            </a:r>
+            <a:endParaRPr lang="en-US"/>
+          </a:p>
+        </p:txBody>
+      </p:sp>
+      <p:sp>
+        <p:nvSpPr>
+          <p:cNvPr id="6" name="Footer Placeholder 5"/>
+          <p:cNvSpPr>
+            <a:spLocks noGrp="1"/>
+          </p:cNvSpPr>
+          <p:nvPr>
+            <p:ph type="ftr" sz="quarter" idx="4"/>
+          </p:nvPr>
+        </p:nvSpPr>
+        <p:spPr>
+          <a:xfrm>
+            <a:off x="0" y="8685213"/>
+            <a:ext cx="2971800" cy="457200"/>
+          </a:xfrm>
+          <a:prstGeom prst="rect">
+            <a:avLst/>
+          </a:prstGeom>
+        </p:spPr>
+        <p:txBody>
+          <a:bodyPr vert="horz" lIns="91440" tIns="45720" rIns="91440" bIns="45720" rtlCol="0" anchor="b"/>
+          <a:lstStyle>
+            <a:lvl1pPr algn="l">
+              <a:defRPr sz="1200"/>
+            </a:lvl1pPr>
+          </a:lstStyle>
+          <a:p>
+            <a:endParaRPr lang="en-US"/>
+          </a:p>
+        </p:txBody>
+      </p:sp>
+      <p:sp>
+        <p:nvSpPr>
+          <p:cNvPr id="7" name="Slide Number Placeholder 6"/>
+          <p:cNvSpPr>
+            <a:spLocks noGrp="1"/>
+          </p:cNvSpPr>
+          <p:nvPr>
+            <p:ph type="sldNum" sz="quarter" idx="5"/>
+          </p:nvPr>
+        </p:nvSpPr>
+        <p:spPr>
+          <a:xfrm>
+            <a:off x="3884613" y="8685213"/>
+            <a:ext cx="2971800" cy="457200"/>
+          </a:xfrm>
+          <a:prstGeom prst="rect">
+            <a:avLst/>
+          </a:prstGeom>
+        </p:spPr>
+        <p:txBody>
+          <a:bodyPr vert="horz" lIns="91440" tIns="45720" rIns="91440" bIns="45720" rtlCol="0" anchor="b"/>
+          <a:lstStyle>
+            <a:lvl1pPr algn="r">
+              <a:defRPr sz="1200"/>
+            </a:lvl1pPr>
+          </a:lstStyle>
+          <a:p>
+            <a:fld id="{5E8B9A21-D019-4D07-8D1C-12A5A2EA64D7}" type="slidenum">
+              <a:rPr lang="en-US" smtClean="0"/>
+              <a:t>‹#›</a:t>
+            </a:fld>
+            <a:endParaRPr lang="en-US"/>
+          </a:p>
+        </p:txBody>
+      </p:sp>
+    </p:spTree>
+  </p:cSld>
+  <p:clrMap bg1="lt1" tx1="dk1" bg2="lt2" tx2="dk2" accent1="accent1" accent2="accent2" accent3="accent3" accent4="accent4" accent5="accent5" accent6="accent6" hlink="hlink" folHlink="folHlink"/>
+  <p:notesStyle>
+    <a:lvl1pPr marL="0" algn="l" defTabSz="914400" rtl="0" eaLnBrk="1" latinLnBrk="0" hangingPunct="1">
+      <a:defRPr sz="1200" kern="1200">
+        <a:solidFill>
+          <a:schemeClr val="tx1"/>
+        </a:solidFill>
+        <a:latin typeface="+mn-lt"/>
+        <a:ea typeface="+mn-ea"/>
+        <a:cs typeface="+mn-cs"/>
+      </a:defRPr>
+    </a:lvl1pPr>
+    <a:lvl2pPr marL="457200" algn="l" defTabSz="914400" rtl="0" eaLnBrk="1" latinLnBrk="0" hangingPunct="1">
+      <a:defRPr sz="1200" kern="1200">
+        <a:solidFill>
+          <a:schemeClr val="tx1"/>
+        </a:solidFill>
+        <a:latin typeface="+mn-lt"/>
+        <a:ea typeface="+mn-ea"/>
+        <a:cs typeface="+mn-cs"/>
+      </a:defRPr>
+    </a:lvl2pPr>
+    <a:lvl3pPr marL="914400" algn="l" defTabSz="914400" rtl="0" eaLnBrk="1" latinLnBrk="0" hangingPunct="1">
+      <a:defRPr sz="1200" kern="1200">
+        <a:solidFill>
+          <a:schemeClr val="tx1"/>
+        </a:solidFill>
+        <a:latin typeface="+mn-lt"/>
+        <a:ea typeface="+mn-ea"/>
+        <a:cs typeface="+mn-cs"/>
+      </a:defRPr>
+    </a:lvl3pPr>
+    <a:lvl4pPr marL="1371600" algn="l" defTabSz="914400" rtl="0" eaLnBrk="1" latinLnBrk="0" hangingPunct="1">
+      <a:defRPr sz="1200" kern="1200">
+        <a:solidFill>
+          <a:schemeClr val="tx1"/>
+        </a:solidFill>
+        <a:latin typeface="+mn-lt"/>
+        <a:ea typeface="+mn-ea"/>
+        <a:cs typeface="+mn-cs"/>
+      </a:defRPr>
+    </a:lvl4pPr>
+    <a:lvl5pPr marL="1828800" algn="l" defTabSz="914400" rtl="0" eaLnBrk="1" latinLnBrk="0" hangingPunct="1">
+      <a:defRPr sz="1200" kern="1200">
+        <a:solidFill>
+          <a:schemeClr val="tx1"/>
+        </a:solidFill>
+        <a:latin typeface="+mn-lt"/>
+        <a:ea typeface="+mn-ea"/>
+        <a:cs typeface="+mn-cs"/>
+      </a:defRPr>
+    </a:lvl5pPr>
+    <a:lvl6pPr marL="2286000" algn="l" defTabSz="914400" rtl="0" eaLnBrk="1" latinLnBrk="0" hangingPunct="1">
+      <a:defRPr sz="1200" kern="1200">
+        <a:solidFill>
+          <a:schemeClr val="tx1"/>
+        </a:solidFill>
+        <a:latin typeface="+mn-lt"/>
+        <a:ea typeface="+mn-ea"/>
+        <a:cs typeface="+mn-cs"/>
+      </a:defRPr>
+    </a:lvl6pPr>
+    <a:lvl7pPr marL="2743200" algn="l" defTabSz="914400" rtl="0" eaLnBrk="1" latinLnBrk="0" hangingPunct="1">
+      <a:defRPr sz="1200" kern="1200">
+        <a:solidFill>
+          <a:schemeClr val="tx1"/>
+        </a:solidFill>
+        <a:latin typeface="+mn-lt"/>
+        <a:ea typeface="+mn-ea"/>
+        <a:cs typeface="+mn-cs"/>
+      </a:defRPr>
+    </a:lvl7pPr>
+    <a:lvl8pPr marL="3200400" algn="l" defTabSz="914400" rtl="0" eaLnBrk="1" latinLnBrk="0" hangingPunct="1">
+      <a:defRPr sz="1200" kern="1200">
+        <a:solidFill>
+          <a:schemeClr val="tx1"/>
+        </a:solidFill>
+        <a:latin typeface="+mn-lt"/>
+        <a:ea typeface="+mn-ea"/>
+        <a:cs typeface="+mn-cs"/>
+      </a:defRPr>
+    </a:lvl8pPr>
+    <a:lvl9pPr marL="3657600" algn="l" defTabSz="914400" rtl="0" eaLnBrk="1" latinLnBrk="0" hangingPunct="1">
+      <a:defRPr sz="1200" kern="1200">
+        <a:solidFill>
+          <a:schemeClr val="tx1"/>
+        </a:solidFill>
+        <a:latin typeface="+mn-lt"/>
+        <a:ea typeface="+mn-ea"/>
+        <a:cs typeface="+mn-cs"/>
+      </a:defRPr>
+    </a:lvl9pPr>
+  </p:notesStyle>
+</p:notesMaster>
+</file>
+
+<file path=ppt/notesSlides/notesSlide1.xml><?xml version="1.0" encoding="utf-8"?>
+<p:notes xmlns:a="http://schemas.openxmlformats.org/drawingml/2006/main" xmlns:r="http://schemas.openxmlformats.org/officeDocument/2006/relationships" xmlns:p="http://schemas.openxmlformats.org/presentationml/2006/main">
+  <p:cSld>
+    <p:spTree>
+      <p:nvGrpSpPr>
+        <p:cNvPr id="1" name=""/>
+        <p:cNvGrpSpPr/>
+        <p:nvPr/>
+      </p:nvGrpSpPr>
+      <p:grpSpPr>
+        <a:xfrm>
+          <a:off x="0" y="0"/>
+          <a:ext cx="0" cy="0"/>
+          <a:chOff x="0" y="0"/>
+          <a:chExt cx="0" cy="0"/>
+        </a:xfrm>
+      </p:grpSpPr>
+      <p:sp>
+        <p:nvSpPr>
+          <p:cNvPr id="2" name="Slide Image Placeholder 1"/>
+          <p:cNvSpPr>
+            <a:spLocks noGrp="1" noRot="1" noChangeAspect="1"/>
+          </p:cNvSpPr>
+          <p:nvPr>
+            <p:ph type="sldImg"/>
+          </p:nvPr>
+        </p:nvSpPr>
+        <p:spPr/>
+      </p:sp>
+      <p:sp>
+        <p:nvSpPr>
+          <p:cNvPr id="3" name="Notes Placeholder 2"/>
+          <p:cNvSpPr>
+            <a:spLocks noGrp="1"/>
+          </p:cNvSpPr>
+          <p:nvPr>
+            <p:ph type="body" idx="1"/>
+          </p:nvPr>
+        </p:nvSpPr>
+        <p:spPr/>
+        <p:txBody>
+          <a:bodyPr>
+            <a:normAutofit/>
+          </a:bodyPr>
+          <a:lstStyle/>
+          <a:p>
+            <a:r>
+              <a:rPr lang="en-US" dirty="0" smtClean="0"/>
+              <a:t>Make</a:t>
+            </a:r>
+            <a:r>
+              <a:rPr lang="en-US" baseline="0" dirty="0" smtClean="0"/>
+              <a:t> sure to explain fast forward merges.</a:t>
+            </a:r>
+            <a:endParaRPr lang="en-US" dirty="0"/>
+          </a:p>
+        </p:txBody>
+      </p:sp>
+      <p:sp>
+        <p:nvSpPr>
+          <p:cNvPr id="4" name="Slide Number Placeholder 3"/>
+          <p:cNvSpPr>
+            <a:spLocks noGrp="1"/>
+          </p:cNvSpPr>
+          <p:nvPr>
+            <p:ph type="sldNum" sz="quarter" idx="10"/>
+          </p:nvPr>
+        </p:nvSpPr>
+        <p:spPr/>
+        <p:txBody>
+          <a:bodyPr/>
+          <a:lstStyle/>
+          <a:p>
+            <a:fld id="{5E8B9A21-D019-4D07-8D1C-12A5A2EA64D7}" type="slidenum">
+              <a:rPr lang="en-US" smtClean="0"/>
+              <a:t>7</a:t>
+            </a:fld>
+            <a:endParaRPr lang="en-US"/>
+          </a:p>
+        </p:txBody>
+      </p:sp>
+    </p:spTree>
+  </p:cSld>
+  <p:clrMapOvr>
+    <a:masterClrMapping/>
+  </p:clrMapOvr>
+</p:notes>
+</file>
+
+<file path=ppt/notesSlides/notesSlide2.xml><?xml version="1.0" encoding="utf-8"?>
+<p:notes xmlns:a="http://schemas.openxmlformats.org/drawingml/2006/main" xmlns:r="http://schemas.openxmlformats.org/officeDocument/2006/relationships" xmlns:p="http://schemas.openxmlformats.org/presentationml/2006/main">
+  <p:cSld>
+    <p:spTree>
+      <p:nvGrpSpPr>
+        <p:cNvPr id="1" name=""/>
+        <p:cNvGrpSpPr/>
+        <p:nvPr/>
+      </p:nvGrpSpPr>
+      <p:grpSpPr>
+        <a:xfrm>
+          <a:off x="0" y="0"/>
+          <a:ext cx="0" cy="0"/>
+          <a:chOff x="0" y="0"/>
+          <a:chExt cx="0" cy="0"/>
+        </a:xfrm>
+      </p:grpSpPr>
+      <p:sp>
+        <p:nvSpPr>
+          <p:cNvPr id="2" name="Slide Image Placeholder 1"/>
+          <p:cNvSpPr>
+            <a:spLocks noGrp="1" noRot="1" noChangeAspect="1"/>
+          </p:cNvSpPr>
+          <p:nvPr>
+            <p:ph type="sldImg"/>
+          </p:nvPr>
+        </p:nvSpPr>
+        <p:spPr/>
+      </p:sp>
+      <p:sp>
+        <p:nvSpPr>
+          <p:cNvPr id="3" name="Notes Placeholder 2"/>
+          <p:cNvSpPr>
+            <a:spLocks noGrp="1"/>
+          </p:cNvSpPr>
+          <p:nvPr>
+            <p:ph type="body" idx="1"/>
+          </p:nvPr>
+        </p:nvSpPr>
+        <p:spPr/>
+        <p:txBody>
+          <a:bodyPr>
+            <a:normAutofit/>
+          </a:bodyPr>
+          <a:lstStyle/>
+          <a:p>
+            <a:r>
+              <a:rPr lang="en-US" dirty="0" smtClean="0"/>
+              <a:t>Make sure to</a:t>
+            </a:r>
+            <a:r>
+              <a:rPr lang="en-US" baseline="0" dirty="0" smtClean="0"/>
+              <a:t> explain why branching is free – because branches are just references to commits.  They are literally a few bytes.</a:t>
+            </a:r>
+            <a:endParaRPr lang="en-US" dirty="0"/>
+          </a:p>
+        </p:txBody>
+      </p:sp>
+      <p:sp>
+        <p:nvSpPr>
+          <p:cNvPr id="4" name="Slide Number Placeholder 3"/>
+          <p:cNvSpPr>
+            <a:spLocks noGrp="1"/>
+          </p:cNvSpPr>
+          <p:nvPr>
+            <p:ph type="sldNum" sz="quarter" idx="10"/>
+          </p:nvPr>
+        </p:nvSpPr>
+        <p:spPr/>
+        <p:txBody>
+          <a:bodyPr/>
+          <a:lstStyle/>
+          <a:p>
+            <a:fld id="{5E8B9A21-D019-4D07-8D1C-12A5A2EA64D7}" type="slidenum">
+              <a:rPr lang="en-US" smtClean="0"/>
+              <a:t>8</a:t>
+            </a:fld>
+            <a:endParaRPr lang="en-US"/>
+          </a:p>
+        </p:txBody>
+      </p:sp>
+    </p:spTree>
+  </p:cSld>
+  <p:clrMapOvr>
+    <a:masterClrMapping/>
+  </p:clrMapOvr>
+</p:notes>
+</file>
+
+<file path=ppt/notesSlides/notesSlide3.xml><?xml version="1.0" encoding="utf-8"?>
+<p:notes xmlns:a="http://schemas.openxmlformats.org/drawingml/2006/main" xmlns:r="http://schemas.openxmlformats.org/officeDocument/2006/relationships" xmlns:p="http://schemas.openxmlformats.org/presentationml/2006/main">
+  <p:cSld>
+    <p:spTree>
+      <p:nvGrpSpPr>
+        <p:cNvPr id="1" name=""/>
+        <p:cNvGrpSpPr/>
+        <p:nvPr/>
+      </p:nvGrpSpPr>
+      <p:grpSpPr>
+        <a:xfrm>
+          <a:off x="0" y="0"/>
+          <a:ext cx="0" cy="0"/>
+          <a:chOff x="0" y="0"/>
+          <a:chExt cx="0" cy="0"/>
+        </a:xfrm>
+      </p:grpSpPr>
+      <p:sp>
+        <p:nvSpPr>
+          <p:cNvPr id="2" name="Slide Image Placeholder 1"/>
+          <p:cNvSpPr>
+            <a:spLocks noGrp="1" noRot="1" noChangeAspect="1"/>
+          </p:cNvSpPr>
+          <p:nvPr>
+            <p:ph type="sldImg"/>
+          </p:nvPr>
+        </p:nvSpPr>
+        <p:spPr/>
+      </p:sp>
+      <p:sp>
+        <p:nvSpPr>
+          <p:cNvPr id="3" name="Notes Placeholder 2"/>
+          <p:cNvSpPr>
+            <a:spLocks noGrp="1"/>
+          </p:cNvSpPr>
+          <p:nvPr>
+            <p:ph type="body" idx="1"/>
+          </p:nvPr>
+        </p:nvSpPr>
+        <p:spPr/>
+        <p:txBody>
+          <a:bodyPr>
+            <a:normAutofit/>
+          </a:bodyPr>
+          <a:lstStyle/>
+          <a:p>
+            <a:r>
+              <a:rPr lang="en-US" dirty="0" smtClean="0"/>
+              <a:t>Easier than it looks.</a:t>
+            </a:r>
+            <a:r>
+              <a:rPr lang="en-US" baseline="0" dirty="0" smtClean="0"/>
+              <a:t>  I promise.</a:t>
+            </a:r>
+            <a:endParaRPr lang="en-US" dirty="0"/>
+          </a:p>
+        </p:txBody>
+      </p:sp>
+      <p:sp>
+        <p:nvSpPr>
+          <p:cNvPr id="4" name="Slide Number Placeholder 3"/>
+          <p:cNvSpPr>
+            <a:spLocks noGrp="1"/>
+          </p:cNvSpPr>
+          <p:nvPr>
+            <p:ph type="sldNum" sz="quarter" idx="10"/>
+          </p:nvPr>
+        </p:nvSpPr>
+        <p:spPr/>
+        <p:txBody>
+          <a:bodyPr/>
+          <a:lstStyle/>
+          <a:p>
+            <a:fld id="{5E8B9A21-D019-4D07-8D1C-12A5A2EA64D7}" type="slidenum">
+              <a:rPr lang="en-US" smtClean="0"/>
+              <a:t>9</a:t>
+            </a:fld>
+            <a:endParaRPr lang="en-US"/>
+          </a:p>
+        </p:txBody>
+      </p:sp>
+    </p:spTree>
+  </p:cSld>
+  <p:clrMapOvr>
+    <a:masterClrMapping/>
+  </p:clrMapOvr>
+</p:notes>
+</file>
+
 <file path=ppt/slideLayouts/slideLayout1.xml><?xml version="1.0" encoding="utf-8"?>
 <p:sldLayout xmlns:a="http://schemas.openxmlformats.org/drawingml/2006/main" xmlns:r="http://schemas.openxmlformats.org/officeDocument/2006/relationships" xmlns:p="http://schemas.openxmlformats.org/presentationml/2006/main" showMasterSp="0" type="title" preserve="1">
   <p:cSld name="Title Slide">
@@ -250,7 +877,8 @@
           <a:p>
             <a:fld id="{49B32D5D-3141-4DED-9E48-D58C8EDD111E}" type="datetimeFigureOut">
               <a:rPr lang="en-US" smtClean="0"/>
-              <a:t>10/16/2011</a:t>
+              <a:pPr/>
+              <a:t>10/24/2011</a:t>
             </a:fld>
             <a:endParaRPr lang="en-US"/>
           </a:p>
@@ -996,6 +1624,7 @@
           <a:p>
             <a:fld id="{B7428B8A-EDC1-4A69-9877-4F0CFD63F501}" type="slidenum">
               <a:rPr lang="en-US" smtClean="0"/>
+              <a:pPr/>
               <a:t>‹#›</a:t>
             </a:fld>
             <a:endParaRPr lang="en-US"/>
@@ -1119,7 +1748,8 @@
           <a:p>
             <a:fld id="{49B32D5D-3141-4DED-9E48-D58C8EDD111E}" type="datetimeFigureOut">
               <a:rPr lang="en-US" smtClean="0"/>
-              <a:t>10/16/2011</a:t>
+              <a:pPr/>
+              <a:t>10/24/2011</a:t>
             </a:fld>
             <a:endParaRPr lang="en-US"/>
           </a:p>
@@ -1161,6 +1791,7 @@
           <a:p>
             <a:fld id="{B7428B8A-EDC1-4A69-9877-4F0CFD63F501}" type="slidenum">
               <a:rPr lang="en-US" smtClean="0"/>
+              <a:pPr/>
               <a:t>‹#›</a:t>
             </a:fld>
             <a:endParaRPr lang="en-US"/>
@@ -1294,7 +1925,8 @@
           <a:p>
             <a:fld id="{49B32D5D-3141-4DED-9E48-D58C8EDD111E}" type="datetimeFigureOut">
               <a:rPr lang="en-US" smtClean="0"/>
-              <a:t>10/16/2011</a:t>
+              <a:pPr/>
+              <a:t>10/24/2011</a:t>
             </a:fld>
             <a:endParaRPr lang="en-US"/>
           </a:p>
@@ -1336,6 +1968,7 @@
           <a:p>
             <a:fld id="{B7428B8A-EDC1-4A69-9877-4F0CFD63F501}" type="slidenum">
               <a:rPr lang="en-US" smtClean="0"/>
+              <a:pPr/>
               <a:t>‹#›</a:t>
             </a:fld>
             <a:endParaRPr lang="en-US"/>
@@ -1464,7 +2097,8 @@
           <a:p>
             <a:fld id="{49B32D5D-3141-4DED-9E48-D58C8EDD111E}" type="datetimeFigureOut">
               <a:rPr lang="en-US" smtClean="0"/>
-              <a:t>10/16/2011</a:t>
+              <a:pPr/>
+              <a:t>10/24/2011</a:t>
             </a:fld>
             <a:endParaRPr lang="en-US"/>
           </a:p>
@@ -1487,6 +2121,7 @@
           <a:p>
             <a:fld id="{B7428B8A-EDC1-4A69-9877-4F0CFD63F501}" type="slidenum">
               <a:rPr lang="en-US" smtClean="0"/>
+              <a:pPr/>
               <a:t>‹#›</a:t>
             </a:fld>
             <a:endParaRPr lang="en-US"/>
@@ -1674,7 +2309,8 @@
           <a:p>
             <a:fld id="{49B32D5D-3141-4DED-9E48-D58C8EDD111E}" type="datetimeFigureOut">
               <a:rPr lang="en-US" smtClean="0"/>
-              <a:t>10/16/2011</a:t>
+              <a:pPr/>
+              <a:t>10/24/2011</a:t>
             </a:fld>
             <a:endParaRPr lang="en-US"/>
           </a:p>
@@ -2417,6 +3053,7 @@
           <a:p>
             <a:fld id="{B7428B8A-EDC1-4A69-9877-4F0CFD63F501}" type="slidenum">
               <a:rPr lang="en-US" smtClean="0"/>
+              <a:pPr/>
               <a:t>‹#›</a:t>
             </a:fld>
             <a:endParaRPr lang="en-US"/>
@@ -2488,7 +3125,8 @@
           <a:p>
             <a:fld id="{49B32D5D-3141-4DED-9E48-D58C8EDD111E}" type="datetimeFigureOut">
               <a:rPr lang="en-US" smtClean="0"/>
-              <a:t>10/16/2011</a:t>
+              <a:pPr/>
+              <a:t>10/24/2011</a:t>
             </a:fld>
             <a:endParaRPr lang="en-US"/>
           </a:p>
@@ -2530,6 +3168,7 @@
           <a:p>
             <a:fld id="{B7428B8A-EDC1-4A69-9877-4F0CFD63F501}" type="slidenum">
               <a:rPr lang="en-US" smtClean="0"/>
+              <a:pPr/>
               <a:t>‹#›</a:t>
             </a:fld>
             <a:endParaRPr lang="en-US"/>
@@ -2724,7 +3363,8 @@
           <a:p>
             <a:fld id="{49B32D5D-3141-4DED-9E48-D58C8EDD111E}" type="datetimeFigureOut">
               <a:rPr lang="en-US" smtClean="0"/>
-              <a:t>10/16/2011</a:t>
+              <a:pPr/>
+              <a:t>10/24/2011</a:t>
             </a:fld>
             <a:endParaRPr lang="en-US"/>
           </a:p>
@@ -2766,6 +3406,7 @@
           <a:p>
             <a:fld id="{B7428B8A-EDC1-4A69-9877-4F0CFD63F501}" type="slidenum">
               <a:rPr lang="en-US" smtClean="0"/>
+              <a:pPr/>
               <a:t>‹#›</a:t>
             </a:fld>
             <a:endParaRPr lang="en-US"/>
@@ -3047,7 +3688,8 @@
           <a:p>
             <a:fld id="{49B32D5D-3141-4DED-9E48-D58C8EDD111E}" type="datetimeFigureOut">
               <a:rPr lang="en-US" smtClean="0"/>
-              <a:t>10/16/2011</a:t>
+              <a:pPr/>
+              <a:t>10/24/2011</a:t>
             </a:fld>
             <a:endParaRPr lang="en-US"/>
           </a:p>
@@ -3070,6 +3712,7 @@
           <a:p>
             <a:fld id="{B7428B8A-EDC1-4A69-9877-4F0CFD63F501}" type="slidenum">
               <a:rPr lang="en-US" smtClean="0"/>
+              <a:pPr/>
               <a:t>‹#›</a:t>
             </a:fld>
             <a:endParaRPr lang="en-US"/>
@@ -3137,7 +3780,8 @@
           <a:p>
             <a:fld id="{49B32D5D-3141-4DED-9E48-D58C8EDD111E}" type="datetimeFigureOut">
               <a:rPr lang="en-US" smtClean="0"/>
-              <a:t>10/16/2011</a:t>
+              <a:pPr/>
+              <a:t>10/24/2011</a:t>
             </a:fld>
             <a:endParaRPr lang="en-US"/>
           </a:p>
@@ -3179,6 +3823,7 @@
           <a:p>
             <a:fld id="{B7428B8A-EDC1-4A69-9877-4F0CFD63F501}" type="slidenum">
               <a:rPr lang="en-US" smtClean="0"/>
+              <a:pPr/>
               <a:t>‹#›</a:t>
             </a:fld>
             <a:endParaRPr lang="en-US"/>
@@ -3654,7 +4299,8 @@
           <a:p>
             <a:fld id="{49B32D5D-3141-4DED-9E48-D58C8EDD111E}" type="datetimeFigureOut">
               <a:rPr lang="en-US" smtClean="0"/>
-              <a:t>10/16/2011</a:t>
+              <a:pPr/>
+              <a:t>10/24/2011</a:t>
             </a:fld>
             <a:endParaRPr lang="en-US"/>
           </a:p>
@@ -3677,6 +4323,7 @@
           <a:p>
             <a:fld id="{B7428B8A-EDC1-4A69-9877-4F0CFD63F501}" type="slidenum">
               <a:rPr lang="en-US" smtClean="0"/>
+              <a:pPr/>
               <a:t>‹#›</a:t>
             </a:fld>
             <a:endParaRPr lang="en-US"/>
@@ -4165,7 +4812,8 @@
           <a:p>
             <a:fld id="{49B32D5D-3141-4DED-9E48-D58C8EDD111E}" type="datetimeFigureOut">
               <a:rPr lang="en-US" smtClean="0"/>
-              <a:t>10/16/2011</a:t>
+              <a:pPr/>
+              <a:t>10/24/2011</a:t>
             </a:fld>
             <a:endParaRPr lang="en-US"/>
           </a:p>
@@ -4188,6 +4836,7 @@
           <a:p>
             <a:fld id="{B7428B8A-EDC1-4A69-9877-4F0CFD63F501}" type="slidenum">
               <a:rPr lang="en-US" smtClean="0"/>
+              <a:pPr/>
               <a:t>‹#›</a:t>
             </a:fld>
             <a:endParaRPr lang="en-US"/>
@@ -4410,7 +5059,8 @@
           <a:p>
             <a:fld id="{49B32D5D-3141-4DED-9E48-D58C8EDD111E}" type="datetimeFigureOut">
               <a:rPr lang="en-US" smtClean="0"/>
-              <a:t>10/16/2011</a:t>
+              <a:pPr/>
+              <a:t>10/24/2011</a:t>
             </a:fld>
             <a:endParaRPr lang="en-US"/>
           </a:p>
@@ -4686,6 +5336,7 @@
           <a:p>
             <a:fld id="{B7428B8A-EDC1-4A69-9877-4F0CFD63F501}" type="slidenum">
               <a:rPr lang="en-US" smtClean="0"/>
+              <a:pPr/>
               <a:t>‹#›</a:t>
             </a:fld>
             <a:endParaRPr lang="en-US"/>
@@ -5084,6 +5735,1092 @@
 </p:sld>
 </file>
 
+<file path=ppt/slides/slide10.xml><?xml version="1.0" encoding="utf-8"?>
+<p:sld xmlns:a="http://schemas.openxmlformats.org/drawingml/2006/main" xmlns:r="http://schemas.openxmlformats.org/officeDocument/2006/relationships" xmlns:p="http://schemas.openxmlformats.org/presentationml/2006/main">
+  <p:cSld>
+    <p:spTree>
+      <p:nvGrpSpPr>
+        <p:cNvPr id="1" name=""/>
+        <p:cNvGrpSpPr/>
+        <p:nvPr/>
+      </p:nvGrpSpPr>
+      <p:grpSpPr>
+        <a:xfrm>
+          <a:off x="0" y="0"/>
+          <a:ext cx="0" cy="0"/>
+          <a:chOff x="0" y="0"/>
+          <a:chExt cx="0" cy="0"/>
+        </a:xfrm>
+      </p:grpSpPr>
+      <p:sp>
+        <p:nvSpPr>
+          <p:cNvPr id="2" name="Title 1"/>
+          <p:cNvSpPr>
+            <a:spLocks noGrp="1"/>
+          </p:cNvSpPr>
+          <p:nvPr>
+            <p:ph type="title"/>
+          </p:nvPr>
+        </p:nvSpPr>
+        <p:spPr/>
+        <p:txBody>
+          <a:bodyPr/>
+          <a:lstStyle/>
+          <a:p>
+            <a:r>
+              <a:rPr lang="en-US" dirty="0" smtClean="0"/>
+              <a:t>Two main branches</a:t>
+            </a:r>
+            <a:endParaRPr lang="en-US" dirty="0"/>
+          </a:p>
+        </p:txBody>
+      </p:sp>
+      <p:sp>
+        <p:nvSpPr>
+          <p:cNvPr id="3" name="Content Placeholder 2"/>
+          <p:cNvSpPr>
+            <a:spLocks noGrp="1"/>
+          </p:cNvSpPr>
+          <p:nvPr>
+            <p:ph sz="quarter" idx="1"/>
+          </p:nvPr>
+        </p:nvSpPr>
+        <p:spPr/>
+        <p:txBody>
+          <a:bodyPr/>
+          <a:lstStyle/>
+          <a:p>
+            <a:r>
+              <a:rPr lang="en-US" dirty="0" smtClean="0"/>
+              <a:t>Master</a:t>
+            </a:r>
+          </a:p>
+          <a:p>
+            <a:pPr lvl="1"/>
+            <a:r>
+              <a:rPr lang="en-US" dirty="0" smtClean="0"/>
+              <a:t>Always current state of production</a:t>
+            </a:r>
+          </a:p>
+          <a:p>
+            <a:pPr lvl="1"/>
+            <a:r>
+              <a:rPr lang="en-US" dirty="0" smtClean="0"/>
+              <a:t>Never ever commit directly to this branch</a:t>
+            </a:r>
+          </a:p>
+          <a:p>
+            <a:r>
+              <a:rPr lang="en-US" dirty="0" smtClean="0"/>
+              <a:t>Develop</a:t>
+            </a:r>
+          </a:p>
+          <a:p>
+            <a:pPr lvl="1"/>
+            <a:r>
+              <a:rPr lang="en-US" dirty="0" smtClean="0"/>
+              <a:t>Always represents “</a:t>
+            </a:r>
+            <a:r>
+              <a:rPr lang="en-US" dirty="0" err="1" smtClean="0"/>
+              <a:t>version.Next</a:t>
+            </a:r>
+            <a:r>
+              <a:rPr lang="en-US" dirty="0" smtClean="0"/>
+              <a:t>”</a:t>
+            </a:r>
+          </a:p>
+          <a:p>
+            <a:pPr lvl="1"/>
+            <a:r>
+              <a:rPr lang="en-US" dirty="0" smtClean="0"/>
+              <a:t>Not a crime to commit to it</a:t>
+            </a:r>
+          </a:p>
+          <a:p>
+            <a:pPr lvl="2"/>
+            <a:r>
+              <a:rPr lang="en-US" dirty="0" smtClean="0"/>
+              <a:t>But should avoid it</a:t>
+            </a:r>
+          </a:p>
+        </p:txBody>
+      </p:sp>
+    </p:spTree>
+  </p:cSld>
+  <p:clrMapOvr>
+    <a:masterClrMapping/>
+  </p:clrMapOvr>
+  <p:timing>
+    <p:tnLst>
+      <p:par>
+        <p:cTn id="1" dur="indefinite" restart="never" nodeType="tmRoot"/>
+      </p:par>
+    </p:tnLst>
+  </p:timing>
+</p:sld>
+</file>
+
+<file path=ppt/slides/slide11.xml><?xml version="1.0" encoding="utf-8"?>
+<p:sld xmlns:a="http://schemas.openxmlformats.org/drawingml/2006/main" xmlns:r="http://schemas.openxmlformats.org/officeDocument/2006/relationships" xmlns:p="http://schemas.openxmlformats.org/presentationml/2006/main">
+  <p:cSld>
+    <p:spTree>
+      <p:nvGrpSpPr>
+        <p:cNvPr id="1" name=""/>
+        <p:cNvGrpSpPr/>
+        <p:nvPr/>
+      </p:nvGrpSpPr>
+      <p:grpSpPr>
+        <a:xfrm>
+          <a:off x="0" y="0"/>
+          <a:ext cx="0" cy="0"/>
+          <a:chOff x="0" y="0"/>
+          <a:chExt cx="0" cy="0"/>
+        </a:xfrm>
+      </p:grpSpPr>
+      <p:sp>
+        <p:nvSpPr>
+          <p:cNvPr id="2" name="Title 1"/>
+          <p:cNvSpPr>
+            <a:spLocks noGrp="1"/>
+          </p:cNvSpPr>
+          <p:nvPr>
+            <p:ph type="title"/>
+          </p:nvPr>
+        </p:nvSpPr>
+        <p:spPr/>
+        <p:txBody>
+          <a:bodyPr/>
+          <a:lstStyle/>
+          <a:p>
+            <a:r>
+              <a:rPr lang="en-US" dirty="0" smtClean="0"/>
+              <a:t>Feature Branches</a:t>
+            </a:r>
+            <a:endParaRPr lang="en-US" dirty="0"/>
+          </a:p>
+        </p:txBody>
+      </p:sp>
+      <p:sp>
+        <p:nvSpPr>
+          <p:cNvPr id="3" name="Content Placeholder 2"/>
+          <p:cNvSpPr>
+            <a:spLocks noGrp="1"/>
+          </p:cNvSpPr>
+          <p:nvPr>
+            <p:ph sz="quarter" idx="1"/>
+          </p:nvPr>
+        </p:nvSpPr>
+        <p:spPr/>
+        <p:txBody>
+          <a:bodyPr/>
+          <a:lstStyle/>
+          <a:p>
+            <a:r>
+              <a:rPr lang="en-US" dirty="0" smtClean="0"/>
+              <a:t>Named “whatever-</a:t>
+            </a:r>
+            <a:r>
+              <a:rPr lang="en-US" dirty="0" err="1" smtClean="0"/>
+              <a:t>youre</a:t>
+            </a:r>
+            <a:r>
+              <a:rPr lang="en-US" dirty="0" smtClean="0"/>
+              <a:t>-working-on”</a:t>
+            </a:r>
+          </a:p>
+          <a:p>
+            <a:r>
+              <a:rPr lang="en-US" dirty="0" smtClean="0"/>
+              <a:t>Local repo usually</a:t>
+            </a:r>
+          </a:p>
+          <a:p>
+            <a:r>
+              <a:rPr lang="en-US" dirty="0" smtClean="0"/>
+              <a:t>Branch from Develop</a:t>
+            </a:r>
+          </a:p>
+          <a:p>
+            <a:r>
+              <a:rPr lang="en-US" dirty="0" smtClean="0"/>
+              <a:t>Merge into Develop</a:t>
+            </a:r>
+          </a:p>
+          <a:p>
+            <a:endParaRPr lang="en-US" dirty="0"/>
+          </a:p>
+        </p:txBody>
+      </p:sp>
+    </p:spTree>
+  </p:cSld>
+  <p:clrMapOvr>
+    <a:masterClrMapping/>
+  </p:clrMapOvr>
+  <p:timing>
+    <p:tnLst>
+      <p:par>
+        <p:cTn id="1" dur="indefinite" restart="never" nodeType="tmRoot"/>
+      </p:par>
+    </p:tnLst>
+  </p:timing>
+</p:sld>
+</file>
+
+<file path=ppt/slides/slide12.xml><?xml version="1.0" encoding="utf-8"?>
+<p:sld xmlns:a="http://schemas.openxmlformats.org/drawingml/2006/main" xmlns:r="http://schemas.openxmlformats.org/officeDocument/2006/relationships" xmlns:p="http://schemas.openxmlformats.org/presentationml/2006/main">
+  <p:cSld>
+    <p:spTree>
+      <p:nvGrpSpPr>
+        <p:cNvPr id="1" name=""/>
+        <p:cNvGrpSpPr/>
+        <p:nvPr/>
+      </p:nvGrpSpPr>
+      <p:grpSpPr>
+        <a:xfrm>
+          <a:off x="0" y="0"/>
+          <a:ext cx="0" cy="0"/>
+          <a:chOff x="0" y="0"/>
+          <a:chExt cx="0" cy="0"/>
+        </a:xfrm>
+      </p:grpSpPr>
+      <p:sp>
+        <p:nvSpPr>
+          <p:cNvPr id="2" name="Title 1"/>
+          <p:cNvSpPr>
+            <a:spLocks noGrp="1"/>
+          </p:cNvSpPr>
+          <p:nvPr>
+            <p:ph type="title"/>
+          </p:nvPr>
+        </p:nvSpPr>
+        <p:spPr/>
+        <p:txBody>
+          <a:bodyPr/>
+          <a:lstStyle/>
+          <a:p>
+            <a:r>
+              <a:rPr lang="en-US" dirty="0" smtClean="0"/>
+              <a:t>Release Branches</a:t>
+            </a:r>
+            <a:endParaRPr lang="en-US" dirty="0"/>
+          </a:p>
+        </p:txBody>
+      </p:sp>
+      <p:sp>
+        <p:nvSpPr>
+          <p:cNvPr id="3" name="Content Placeholder 2"/>
+          <p:cNvSpPr>
+            <a:spLocks noGrp="1"/>
+          </p:cNvSpPr>
+          <p:nvPr>
+            <p:ph sz="quarter" idx="1"/>
+          </p:nvPr>
+        </p:nvSpPr>
+        <p:spPr/>
+        <p:txBody>
+          <a:bodyPr/>
+          <a:lstStyle/>
+          <a:p>
+            <a:r>
+              <a:rPr lang="en-US" dirty="0" smtClean="0"/>
+              <a:t>Named “release/v1.2.3”</a:t>
+            </a:r>
+          </a:p>
+          <a:p>
+            <a:r>
+              <a:rPr lang="en-US" dirty="0" smtClean="0"/>
+              <a:t>Branched from develop</a:t>
+            </a:r>
+          </a:p>
+          <a:p>
+            <a:r>
+              <a:rPr lang="en-US" dirty="0" smtClean="0"/>
+              <a:t>Represent a new release candidate</a:t>
+            </a:r>
+          </a:p>
+          <a:p>
+            <a:r>
+              <a:rPr lang="en-US" dirty="0" smtClean="0"/>
+              <a:t>Could then be tested by QA</a:t>
+            </a:r>
+          </a:p>
+          <a:p>
+            <a:pPr lvl="1"/>
+            <a:r>
+              <a:rPr lang="en-US" dirty="0" smtClean="0"/>
+              <a:t>Fixes committed to this branch</a:t>
+            </a:r>
+          </a:p>
+          <a:p>
+            <a:pPr lvl="1"/>
+            <a:r>
+              <a:rPr lang="en-US" dirty="0" smtClean="0"/>
+              <a:t>Avoid committing large features</a:t>
+            </a:r>
+          </a:p>
+          <a:p>
+            <a:r>
+              <a:rPr lang="en-US" dirty="0" smtClean="0"/>
+              <a:t>When ready to go, we tag it and merge it:</a:t>
+            </a:r>
+          </a:p>
+          <a:p>
+            <a:pPr lvl="1"/>
+            <a:r>
+              <a:rPr lang="en-US" dirty="0" smtClean="0"/>
+              <a:t>Into master: deploy to prod now</a:t>
+            </a:r>
+          </a:p>
+          <a:p>
+            <a:pPr lvl="1"/>
+            <a:r>
+              <a:rPr lang="en-US" dirty="0" smtClean="0"/>
+              <a:t>Into develop: So any bug fixes go back</a:t>
+            </a:r>
+          </a:p>
+        </p:txBody>
+      </p:sp>
+    </p:spTree>
+  </p:cSld>
+  <p:clrMapOvr>
+    <a:masterClrMapping/>
+  </p:clrMapOvr>
+  <p:timing>
+    <p:tnLst>
+      <p:par>
+        <p:cTn id="1" dur="indefinite" restart="never" nodeType="tmRoot"/>
+      </p:par>
+    </p:tnLst>
+  </p:timing>
+</p:sld>
+</file>
+
+<file path=ppt/slides/slide13.xml><?xml version="1.0" encoding="utf-8"?>
+<p:sld xmlns:a="http://schemas.openxmlformats.org/drawingml/2006/main" xmlns:r="http://schemas.openxmlformats.org/officeDocument/2006/relationships" xmlns:p="http://schemas.openxmlformats.org/presentationml/2006/main">
+  <p:cSld>
+    <p:spTree>
+      <p:nvGrpSpPr>
+        <p:cNvPr id="1" name=""/>
+        <p:cNvGrpSpPr/>
+        <p:nvPr/>
+      </p:nvGrpSpPr>
+      <p:grpSpPr>
+        <a:xfrm>
+          <a:off x="0" y="0"/>
+          <a:ext cx="0" cy="0"/>
+          <a:chOff x="0" y="0"/>
+          <a:chExt cx="0" cy="0"/>
+        </a:xfrm>
+      </p:grpSpPr>
+      <p:sp>
+        <p:nvSpPr>
+          <p:cNvPr id="2" name="Title 1"/>
+          <p:cNvSpPr>
+            <a:spLocks noGrp="1"/>
+          </p:cNvSpPr>
+          <p:nvPr>
+            <p:ph type="title"/>
+          </p:nvPr>
+        </p:nvSpPr>
+        <p:spPr/>
+        <p:txBody>
+          <a:bodyPr/>
+          <a:lstStyle/>
+          <a:p>
+            <a:r>
+              <a:rPr lang="en-US" dirty="0" err="1" smtClean="0"/>
+              <a:t>Hotfix</a:t>
+            </a:r>
+            <a:r>
+              <a:rPr lang="en-US" dirty="0" smtClean="0"/>
+              <a:t> Branches</a:t>
+            </a:r>
+            <a:endParaRPr lang="en-US" dirty="0"/>
+          </a:p>
+        </p:txBody>
+      </p:sp>
+      <p:sp>
+        <p:nvSpPr>
+          <p:cNvPr id="3" name="Content Placeholder 2"/>
+          <p:cNvSpPr>
+            <a:spLocks noGrp="1"/>
+          </p:cNvSpPr>
+          <p:nvPr>
+            <p:ph sz="quarter" idx="1"/>
+          </p:nvPr>
+        </p:nvSpPr>
+        <p:spPr/>
+        <p:txBody>
+          <a:bodyPr/>
+          <a:lstStyle/>
+          <a:p>
+            <a:r>
+              <a:rPr lang="en-US" dirty="0" smtClean="0"/>
+              <a:t>Oh </a:t>
+            </a:r>
+            <a:r>
+              <a:rPr lang="en-US" dirty="0" err="1" smtClean="0"/>
+              <a:t>noes</a:t>
+            </a:r>
+            <a:r>
+              <a:rPr lang="en-US" dirty="0" smtClean="0"/>
+              <a:t>!  A wild bug has appeared!</a:t>
+            </a:r>
+          </a:p>
+          <a:p>
+            <a:r>
+              <a:rPr lang="en-US" dirty="0" smtClean="0"/>
+              <a:t>Named “</a:t>
+            </a:r>
+            <a:r>
+              <a:rPr lang="en-US" dirty="0" err="1" smtClean="0"/>
+              <a:t>hotfix</a:t>
+            </a:r>
+            <a:r>
+              <a:rPr lang="en-US" dirty="0" smtClean="0"/>
+              <a:t>/v1.2.3.a”</a:t>
+            </a:r>
+          </a:p>
+          <a:p>
+            <a:r>
+              <a:rPr lang="en-US" dirty="0" smtClean="0"/>
+              <a:t>Branched from master</a:t>
+            </a:r>
+          </a:p>
+          <a:p>
+            <a:r>
+              <a:rPr lang="en-US" dirty="0" smtClean="0"/>
+              <a:t>Fixes made, QA tests</a:t>
+            </a:r>
+          </a:p>
+          <a:p>
+            <a:r>
+              <a:rPr lang="en-US" dirty="0" smtClean="0"/>
+              <a:t>Tag it, merge it:</a:t>
+            </a:r>
+          </a:p>
+          <a:p>
+            <a:pPr lvl="1"/>
+            <a:r>
+              <a:rPr lang="en-US" dirty="0" smtClean="0"/>
+              <a:t>Back into master: deploy to prod</a:t>
+            </a:r>
+          </a:p>
+          <a:p>
+            <a:pPr lvl="1"/>
+            <a:r>
+              <a:rPr lang="en-US" dirty="0" smtClean="0"/>
+              <a:t>Into Develop</a:t>
+            </a:r>
+            <a:endParaRPr lang="en-US" dirty="0"/>
+          </a:p>
+        </p:txBody>
+      </p:sp>
+    </p:spTree>
+  </p:cSld>
+  <p:clrMapOvr>
+    <a:masterClrMapping/>
+  </p:clrMapOvr>
+  <p:timing>
+    <p:tnLst>
+      <p:par>
+        <p:cTn id="1" dur="indefinite" restart="never" nodeType="tmRoot"/>
+      </p:par>
+    </p:tnLst>
+  </p:timing>
+</p:sld>
+</file>
+
+<file path=ppt/slides/slide14.xml><?xml version="1.0" encoding="utf-8"?>
+<p:sld xmlns:a="http://schemas.openxmlformats.org/drawingml/2006/main" xmlns:r="http://schemas.openxmlformats.org/officeDocument/2006/relationships" xmlns:p="http://schemas.openxmlformats.org/presentationml/2006/main">
+  <p:cSld>
+    <p:spTree>
+      <p:nvGrpSpPr>
+        <p:cNvPr id="1" name=""/>
+        <p:cNvGrpSpPr/>
+        <p:nvPr/>
+      </p:nvGrpSpPr>
+      <p:grpSpPr>
+        <a:xfrm>
+          <a:off x="0" y="0"/>
+          <a:ext cx="0" cy="0"/>
+          <a:chOff x="0" y="0"/>
+          <a:chExt cx="0" cy="0"/>
+        </a:xfrm>
+      </p:grpSpPr>
+      <p:sp>
+        <p:nvSpPr>
+          <p:cNvPr id="2" name="Title 1"/>
+          <p:cNvSpPr>
+            <a:spLocks noGrp="1"/>
+          </p:cNvSpPr>
+          <p:nvPr>
+            <p:ph type="title"/>
+          </p:nvPr>
+        </p:nvSpPr>
+        <p:spPr/>
+        <p:txBody>
+          <a:bodyPr/>
+          <a:lstStyle/>
+          <a:p>
+            <a:r>
+              <a:rPr lang="en-US" dirty="0" smtClean="0"/>
+              <a:t>Summary</a:t>
+            </a:r>
+            <a:endParaRPr lang="en-US" dirty="0"/>
+          </a:p>
+        </p:txBody>
+      </p:sp>
+      <p:sp>
+        <p:nvSpPr>
+          <p:cNvPr id="3" name="Content Placeholder 2"/>
+          <p:cNvSpPr>
+            <a:spLocks noGrp="1"/>
+          </p:cNvSpPr>
+          <p:nvPr>
+            <p:ph sz="quarter" idx="1"/>
+          </p:nvPr>
+        </p:nvSpPr>
+        <p:spPr/>
+        <p:txBody>
+          <a:bodyPr/>
+          <a:lstStyle/>
+          <a:p>
+            <a:r>
+              <a:rPr lang="en-US" dirty="0" smtClean="0"/>
+              <a:t>CONS:</a:t>
+            </a:r>
+          </a:p>
+          <a:p>
+            <a:pPr lvl="1"/>
+            <a:r>
+              <a:rPr lang="en-US" dirty="0" smtClean="0"/>
+              <a:t>More complicated</a:t>
+            </a:r>
+          </a:p>
+          <a:p>
+            <a:pPr lvl="1"/>
+            <a:r>
+              <a:rPr lang="en-US" dirty="0" smtClean="0"/>
+              <a:t>Stricter Rules</a:t>
+            </a:r>
+          </a:p>
+          <a:p>
+            <a:r>
+              <a:rPr lang="en-US" dirty="0" smtClean="0"/>
+              <a:t>PROS:</a:t>
+            </a:r>
+          </a:p>
+          <a:p>
+            <a:pPr lvl="1"/>
+            <a:r>
+              <a:rPr lang="en-US" dirty="0" smtClean="0"/>
+              <a:t>Fits neatly into existing workflow</a:t>
+            </a:r>
+          </a:p>
+          <a:p>
+            <a:pPr lvl="1"/>
+            <a:r>
+              <a:rPr lang="en-US" dirty="0" smtClean="0"/>
+              <a:t>Proven</a:t>
+            </a:r>
+          </a:p>
+          <a:p>
+            <a:pPr lvl="1"/>
+            <a:r>
+              <a:rPr lang="en-US" dirty="0" err="1" smtClean="0"/>
+              <a:t>Git</a:t>
+            </a:r>
+            <a:r>
+              <a:rPr lang="en-US" dirty="0" smtClean="0"/>
+              <a:t> extensions</a:t>
+            </a:r>
+          </a:p>
+          <a:p>
+            <a:pPr lvl="1"/>
+            <a:r>
+              <a:rPr lang="en-US" dirty="0" smtClean="0"/>
+              <a:t>Future possibility: Parallel development/testing</a:t>
+            </a:r>
+          </a:p>
+          <a:p>
+            <a:r>
+              <a:rPr lang="en-US" dirty="0" smtClean="0"/>
+              <a:t>PEANUT BUTTER DEMO TIME!</a:t>
+            </a:r>
+            <a:endParaRPr lang="en-US" dirty="0"/>
+          </a:p>
+        </p:txBody>
+      </p:sp>
+    </p:spTree>
+  </p:cSld>
+  <p:clrMapOvr>
+    <a:masterClrMapping/>
+  </p:clrMapOvr>
+  <p:timing>
+    <p:tnLst>
+      <p:par>
+        <p:cTn id="1" dur="indefinite" restart="never" nodeType="tmRoot"/>
+      </p:par>
+    </p:tnLst>
+  </p:timing>
+</p:sld>
+</file>
+
+<file path=ppt/slides/slide15.xml><?xml version="1.0" encoding="utf-8"?>
+<p:sld xmlns:a="http://schemas.openxmlformats.org/drawingml/2006/main" xmlns:r="http://schemas.openxmlformats.org/officeDocument/2006/relationships" xmlns:p="http://schemas.openxmlformats.org/presentationml/2006/main">
+  <p:cSld>
+    <p:spTree>
+      <p:nvGrpSpPr>
+        <p:cNvPr id="1" name=""/>
+        <p:cNvGrpSpPr/>
+        <p:nvPr/>
+      </p:nvGrpSpPr>
+      <p:grpSpPr>
+        <a:xfrm>
+          <a:off x="0" y="0"/>
+          <a:ext cx="0" cy="0"/>
+          <a:chOff x="0" y="0"/>
+          <a:chExt cx="0" cy="0"/>
+        </a:xfrm>
+      </p:grpSpPr>
+      <p:sp>
+        <p:nvSpPr>
+          <p:cNvPr id="2" name="Title 1"/>
+          <p:cNvSpPr>
+            <a:spLocks noGrp="1"/>
+          </p:cNvSpPr>
+          <p:nvPr>
+            <p:ph type="title"/>
+          </p:nvPr>
+        </p:nvSpPr>
+        <p:spPr/>
+        <p:txBody>
+          <a:bodyPr/>
+          <a:lstStyle/>
+          <a:p>
+            <a:r>
+              <a:rPr lang="en-US" dirty="0" smtClean="0"/>
+              <a:t>Opinion Time!</a:t>
+            </a:r>
+            <a:endParaRPr lang="en-US" dirty="0"/>
+          </a:p>
+        </p:txBody>
+      </p:sp>
+      <p:sp>
+        <p:nvSpPr>
+          <p:cNvPr id="3" name="Content Placeholder 2"/>
+          <p:cNvSpPr>
+            <a:spLocks noGrp="1"/>
+          </p:cNvSpPr>
+          <p:nvPr>
+            <p:ph sz="quarter" idx="1"/>
+          </p:nvPr>
+        </p:nvSpPr>
+        <p:spPr/>
+        <p:txBody>
+          <a:bodyPr/>
+          <a:lstStyle/>
+          <a:p>
+            <a:r>
+              <a:rPr lang="en-US" dirty="0" smtClean="0"/>
+              <a:t>Why I think </a:t>
+            </a:r>
+            <a:r>
+              <a:rPr lang="en-US" dirty="0" err="1" smtClean="0"/>
+              <a:t>TortoiseGit</a:t>
+            </a:r>
+            <a:r>
+              <a:rPr lang="en-US" dirty="0" smtClean="0"/>
+              <a:t> sucks</a:t>
+            </a:r>
+          </a:p>
+          <a:p>
+            <a:pPr lvl="1"/>
+            <a:r>
+              <a:rPr lang="en-US" dirty="0" smtClean="0"/>
+              <a:t>It pretends that </a:t>
+            </a:r>
+            <a:r>
+              <a:rPr lang="en-US" dirty="0" err="1" smtClean="0"/>
+              <a:t>git</a:t>
+            </a:r>
+            <a:r>
+              <a:rPr lang="en-US" dirty="0" smtClean="0"/>
+              <a:t> is </a:t>
+            </a:r>
+            <a:r>
+              <a:rPr lang="en-US" dirty="0" err="1" smtClean="0"/>
+              <a:t>svn</a:t>
+            </a:r>
+            <a:endParaRPr lang="en-US" dirty="0" smtClean="0"/>
+          </a:p>
+          <a:p>
+            <a:pPr lvl="1"/>
+            <a:r>
+              <a:rPr lang="en-US" dirty="0" smtClean="0"/>
+              <a:t>It hides important details</a:t>
+            </a:r>
+          </a:p>
+          <a:p>
+            <a:pPr lvl="2"/>
+            <a:r>
+              <a:rPr lang="en-US" dirty="0" smtClean="0"/>
+              <a:t>What branch are you working on?</a:t>
+            </a:r>
+          </a:p>
+          <a:p>
+            <a:pPr lvl="2"/>
+            <a:r>
+              <a:rPr lang="en-US" dirty="0" smtClean="0"/>
+              <a:t>What is it doing behind the scenes?</a:t>
+            </a:r>
+          </a:p>
+          <a:p>
+            <a:pPr lvl="1"/>
+            <a:r>
+              <a:rPr lang="en-US" dirty="0" smtClean="0"/>
+              <a:t>It is limited</a:t>
+            </a:r>
+          </a:p>
+          <a:p>
+            <a:pPr lvl="1"/>
+            <a:r>
+              <a:rPr lang="en-US" dirty="0" smtClean="0"/>
+              <a:t>It is worth learning </a:t>
+            </a:r>
+            <a:r>
+              <a:rPr lang="en-US" dirty="0" err="1" smtClean="0"/>
+              <a:t>git</a:t>
+            </a:r>
+            <a:r>
+              <a:rPr lang="en-US" dirty="0" smtClean="0"/>
+              <a:t> </a:t>
+            </a:r>
+            <a:r>
+              <a:rPr lang="en-US" dirty="0" err="1" smtClean="0"/>
+              <a:t>cli</a:t>
+            </a:r>
+            <a:endParaRPr lang="en-US" dirty="0" smtClean="0"/>
+          </a:p>
+          <a:p>
+            <a:pPr lvl="2"/>
+            <a:r>
+              <a:rPr lang="en-US" dirty="0" smtClean="0"/>
+              <a:t>One of the best windows CLI tools</a:t>
+            </a:r>
+          </a:p>
+          <a:p>
+            <a:pPr lvl="2"/>
+            <a:r>
+              <a:rPr lang="en-US" dirty="0" smtClean="0"/>
+              <a:t>Aliases</a:t>
+            </a:r>
+            <a:endParaRPr lang="en-US" dirty="0"/>
+          </a:p>
+        </p:txBody>
+      </p:sp>
+    </p:spTree>
+  </p:cSld>
+  <p:clrMapOvr>
+    <a:masterClrMapping/>
+  </p:clrMapOvr>
+  <p:timing>
+    <p:tnLst>
+      <p:par>
+        <p:cTn id="1" dur="indefinite" restart="never" nodeType="tmRoot"/>
+      </p:par>
+    </p:tnLst>
+  </p:timing>
+</p:sld>
+</file>
+
+<file path=ppt/slides/slide16.xml><?xml version="1.0" encoding="utf-8"?>
+<p:sld xmlns:a="http://schemas.openxmlformats.org/drawingml/2006/main" xmlns:r="http://schemas.openxmlformats.org/officeDocument/2006/relationships" xmlns:p="http://schemas.openxmlformats.org/presentationml/2006/main">
+  <p:cSld>
+    <p:spTree>
+      <p:nvGrpSpPr>
+        <p:cNvPr id="1" name=""/>
+        <p:cNvGrpSpPr/>
+        <p:nvPr/>
+      </p:nvGrpSpPr>
+      <p:grpSpPr>
+        <a:xfrm>
+          <a:off x="0" y="0"/>
+          <a:ext cx="0" cy="0"/>
+          <a:chOff x="0" y="0"/>
+          <a:chExt cx="0" cy="0"/>
+        </a:xfrm>
+      </p:grpSpPr>
+      <p:sp>
+        <p:nvSpPr>
+          <p:cNvPr id="2" name="Title 1"/>
+          <p:cNvSpPr>
+            <a:spLocks noGrp="1"/>
+          </p:cNvSpPr>
+          <p:nvPr>
+            <p:ph type="title"/>
+          </p:nvPr>
+        </p:nvSpPr>
+        <p:spPr/>
+        <p:txBody>
+          <a:bodyPr/>
+          <a:lstStyle/>
+          <a:p>
+            <a:r>
+              <a:rPr lang="en-US" dirty="0" smtClean="0"/>
+              <a:t>Okay, why did I install </a:t>
+            </a:r>
+            <a:r>
+              <a:rPr lang="en-US" dirty="0" err="1" smtClean="0"/>
+              <a:t>tortoisegit</a:t>
+            </a:r>
+            <a:r>
+              <a:rPr lang="en-US" dirty="0" smtClean="0"/>
+              <a:t>?</a:t>
+            </a:r>
+            <a:endParaRPr lang="en-US" dirty="0"/>
+          </a:p>
+        </p:txBody>
+      </p:sp>
+      <p:sp>
+        <p:nvSpPr>
+          <p:cNvPr id="3" name="Content Placeholder 2"/>
+          <p:cNvSpPr>
+            <a:spLocks noGrp="1"/>
+          </p:cNvSpPr>
+          <p:nvPr>
+            <p:ph sz="quarter" idx="1"/>
+          </p:nvPr>
+        </p:nvSpPr>
+        <p:spPr/>
+        <p:txBody>
+          <a:bodyPr/>
+          <a:lstStyle/>
+          <a:p>
+            <a:r>
+              <a:rPr lang="en-US" dirty="0" smtClean="0"/>
+              <a:t>Easier staging of commits</a:t>
+            </a:r>
+          </a:p>
+          <a:p>
+            <a:r>
+              <a:rPr lang="en-US" dirty="0" smtClean="0"/>
+              <a:t>Visual commit graph is nice</a:t>
+            </a:r>
+          </a:p>
+          <a:p>
+            <a:r>
+              <a:rPr lang="en-US" dirty="0" err="1" smtClean="0"/>
+              <a:t>Mergetool</a:t>
+            </a:r>
+            <a:endParaRPr lang="en-US" dirty="0" smtClean="0"/>
+          </a:p>
+          <a:p>
+            <a:pPr lvl="1"/>
+            <a:r>
+              <a:rPr lang="en-US" dirty="0" smtClean="0"/>
+              <a:t>Show how to set this up</a:t>
+            </a:r>
+          </a:p>
+          <a:p>
+            <a:pPr lvl="1"/>
+            <a:r>
+              <a:rPr lang="en-US" dirty="0" smtClean="0"/>
+              <a:t>Or use bc3</a:t>
+            </a:r>
+          </a:p>
+        </p:txBody>
+      </p:sp>
+    </p:spTree>
+  </p:cSld>
+  <p:clrMapOvr>
+    <a:masterClrMapping/>
+  </p:clrMapOvr>
+  <p:timing>
+    <p:tnLst>
+      <p:par>
+        <p:cTn id="1" dur="indefinite" restart="never" nodeType="tmRoot"/>
+      </p:par>
+    </p:tnLst>
+  </p:timing>
+</p:sld>
+</file>
+
+<file path=ppt/slides/slide17.xml><?xml version="1.0" encoding="utf-8"?>
+<p:sld xmlns:a="http://schemas.openxmlformats.org/drawingml/2006/main" xmlns:r="http://schemas.openxmlformats.org/officeDocument/2006/relationships" xmlns:p="http://schemas.openxmlformats.org/presentationml/2006/main">
+  <p:cSld>
+    <p:spTree>
+      <p:nvGrpSpPr>
+        <p:cNvPr id="1" name=""/>
+        <p:cNvGrpSpPr/>
+        <p:nvPr/>
+      </p:nvGrpSpPr>
+      <p:grpSpPr>
+        <a:xfrm>
+          <a:off x="0" y="0"/>
+          <a:ext cx="0" cy="0"/>
+          <a:chOff x="0" y="0"/>
+          <a:chExt cx="0" cy="0"/>
+        </a:xfrm>
+      </p:grpSpPr>
+      <p:sp>
+        <p:nvSpPr>
+          <p:cNvPr id="2" name="Title 1"/>
+          <p:cNvSpPr>
+            <a:spLocks noGrp="1"/>
+          </p:cNvSpPr>
+          <p:nvPr>
+            <p:ph type="title"/>
+          </p:nvPr>
+        </p:nvSpPr>
+        <p:spPr/>
+        <p:txBody>
+          <a:bodyPr/>
+          <a:lstStyle/>
+          <a:p>
+            <a:r>
+              <a:rPr lang="en-US" dirty="0" smtClean="0"/>
+              <a:t>References</a:t>
+            </a:r>
+            <a:endParaRPr lang="en-US" dirty="0"/>
+          </a:p>
+        </p:txBody>
+      </p:sp>
+      <p:sp>
+        <p:nvSpPr>
+          <p:cNvPr id="3" name="Content Placeholder 2"/>
+          <p:cNvSpPr>
+            <a:spLocks noGrp="1"/>
+          </p:cNvSpPr>
+          <p:nvPr>
+            <p:ph sz="quarter" idx="1"/>
+          </p:nvPr>
+        </p:nvSpPr>
+        <p:spPr/>
+        <p:txBody>
+          <a:bodyPr/>
+          <a:lstStyle/>
+          <a:p>
+            <a:r>
+              <a:rPr lang="en-US" dirty="0" err="1" smtClean="0"/>
+              <a:t>Git</a:t>
+            </a:r>
+            <a:r>
+              <a:rPr lang="en-US" dirty="0" smtClean="0"/>
+              <a:t> Community Book</a:t>
+            </a:r>
+          </a:p>
+          <a:p>
+            <a:pPr lvl="1"/>
+            <a:r>
+              <a:rPr lang="en-US" dirty="0" smtClean="0">
+                <a:hlinkClick r:id="rId2"/>
+              </a:rPr>
+              <a:t>http://book.git-scm.com</a:t>
+            </a:r>
+            <a:r>
+              <a:rPr lang="en-US" dirty="0" smtClean="0">
+                <a:hlinkClick r:id="rId2"/>
+              </a:rPr>
+              <a:t>/</a:t>
+            </a:r>
+            <a:endParaRPr lang="en-US" dirty="0" smtClean="0"/>
+          </a:p>
+          <a:p>
+            <a:r>
+              <a:rPr lang="en-US" dirty="0" smtClean="0"/>
+              <a:t>Pro </a:t>
+            </a:r>
+            <a:r>
+              <a:rPr lang="en-US" dirty="0" err="1" smtClean="0"/>
+              <a:t>Git</a:t>
+            </a:r>
+            <a:r>
+              <a:rPr lang="en-US" dirty="0" smtClean="0"/>
+              <a:t> Book</a:t>
+            </a:r>
+          </a:p>
+          <a:p>
+            <a:pPr lvl="1"/>
+            <a:r>
+              <a:rPr lang="en-US" dirty="0" smtClean="0">
+                <a:hlinkClick r:id="rId3"/>
+              </a:rPr>
+              <a:t>http://progit.org/book</a:t>
+            </a:r>
+            <a:r>
+              <a:rPr lang="en-US" dirty="0" smtClean="0">
+                <a:hlinkClick r:id="rId3"/>
+              </a:rPr>
+              <a:t>/</a:t>
+            </a:r>
+            <a:endParaRPr lang="en-US" dirty="0" smtClean="0"/>
+          </a:p>
+          <a:p>
+            <a:r>
+              <a:rPr lang="en-US" dirty="0" err="1" smtClean="0"/>
+              <a:t>Git</a:t>
+            </a:r>
+            <a:r>
+              <a:rPr lang="en-US" dirty="0" smtClean="0"/>
+              <a:t> Flow</a:t>
+            </a:r>
+          </a:p>
+          <a:p>
+            <a:pPr lvl="1"/>
+            <a:r>
+              <a:rPr lang="en-US" dirty="0" smtClean="0">
+                <a:hlinkClick r:id="rId4"/>
+              </a:rPr>
+              <a:t>http://nvie.com/posts/a-successful-git-branching-model</a:t>
+            </a:r>
+            <a:r>
+              <a:rPr lang="en-US" dirty="0" smtClean="0">
+                <a:hlinkClick r:id="rId4"/>
+              </a:rPr>
+              <a:t>/</a:t>
+            </a:r>
+            <a:endParaRPr lang="en-US" dirty="0" smtClean="0"/>
+          </a:p>
+          <a:p>
+            <a:r>
+              <a:rPr lang="en-US" dirty="0" err="1" smtClean="0"/>
+              <a:t>GitHub</a:t>
+            </a:r>
+            <a:r>
+              <a:rPr lang="en-US" dirty="0" smtClean="0"/>
+              <a:t> Flow</a:t>
+            </a:r>
+          </a:p>
+          <a:p>
+            <a:pPr lvl="1"/>
+            <a:r>
+              <a:rPr lang="en-US" dirty="0" smtClean="0">
+                <a:hlinkClick r:id="rId5"/>
+              </a:rPr>
+              <a:t>http://scottchacon.com/2011/08/31/github-flow.html</a:t>
+            </a:r>
+            <a:endParaRPr lang="en-US" dirty="0"/>
+          </a:p>
+        </p:txBody>
+      </p:sp>
+    </p:spTree>
+  </p:cSld>
+  <p:clrMapOvr>
+    <a:masterClrMapping/>
+  </p:clrMapOvr>
+  <p:timing>
+    <p:tnLst>
+      <p:par>
+        <p:cTn id="1" dur="indefinite" restart="never" nodeType="tmRoot"/>
+      </p:par>
+    </p:tnLst>
+  </p:timing>
+</p:sld>
+</file>
+
 <file path=ppt/slides/slide2.xml><?xml version="1.0" encoding="utf-8"?>
 <p:sld xmlns:a="http://schemas.openxmlformats.org/drawingml/2006/main" xmlns:r="http://schemas.openxmlformats.org/officeDocument/2006/relationships" xmlns:p="http://schemas.openxmlformats.org/presentationml/2006/main">
   <p:cSld>
@@ -5356,7 +7093,7 @@
           <a:p>
             <a:r>
               <a:rPr lang="en-US" dirty="0" smtClean="0"/>
-              <a:t>Other things…</a:t>
+              <a:t>DON’T PANIC!</a:t>
             </a:r>
             <a:endParaRPr lang="en-US" dirty="0"/>
           </a:p>
@@ -5374,55 +7111,36 @@
         </p:nvSpPr>
         <p:spPr/>
         <p:txBody>
-          <a:bodyPr/>
-          <a:lstStyle/>
-          <a:p>
-            <a:r>
-              <a:rPr lang="en-US" dirty="0" smtClean="0"/>
-              <a:t>Development stops while waiting for:</a:t>
-            </a:r>
-          </a:p>
-          <a:p>
-            <a:pPr lvl="1"/>
-            <a:r>
-              <a:rPr lang="en-US" dirty="0" smtClean="0"/>
-              <a:t>Testing</a:t>
-            </a:r>
-          </a:p>
-          <a:p>
-            <a:pPr lvl="1"/>
-            <a:r>
-              <a:rPr lang="en-US" dirty="0" smtClean="0"/>
-              <a:t>Deployment</a:t>
-            </a:r>
-          </a:p>
-          <a:p>
-            <a:r>
-              <a:rPr lang="en-US" dirty="0" smtClean="0"/>
-              <a:t>Manually updating Hudson builds to point to tags.</a:t>
-            </a:r>
-          </a:p>
-          <a:p>
-            <a:pPr lvl="1"/>
-            <a:r>
-              <a:rPr lang="en-US" dirty="0" smtClean="0"/>
-              <a:t>Minor point, but…</a:t>
-            </a:r>
-          </a:p>
-          <a:p>
-            <a:pPr lvl="1"/>
-            <a:r>
-              <a:rPr lang="en-US" dirty="0" smtClean="0"/>
-              <a:t>Error Prone</a:t>
-            </a:r>
-          </a:p>
-          <a:p>
-            <a:pPr lvl="1"/>
-            <a:r>
-              <a:rPr lang="en-US" dirty="0" smtClean="0"/>
-              <a:t>I’m lazy, and this should be automatic</a:t>
-            </a:r>
-            <a:endParaRPr lang="en-US" dirty="0"/>
+          <a:bodyPr>
+            <a:normAutofit/>
+          </a:bodyPr>
+          <a:lstStyle/>
+          <a:p>
+            <a:pPr algn="ctr">
+              <a:buNone/>
+            </a:pPr>
+            <a:r>
+              <a:rPr lang="en-US" sz="7200" b="1" dirty="0" smtClean="0"/>
+              <a:t>GIT WILL FIX IT!</a:t>
+            </a:r>
+          </a:p>
+          <a:p>
+            <a:pPr lvl="3">
+              <a:buNone/>
+            </a:pPr>
+            <a:r>
+              <a:rPr lang="en-US" sz="1000" dirty="0" smtClean="0"/>
+              <a:t>... no it won’t</a:t>
+            </a:r>
+          </a:p>
+          <a:p>
+            <a:pPr lvl="3">
+              <a:buNone/>
+            </a:pPr>
+            <a:r>
+              <a:rPr lang="en-US" sz="1000" dirty="0" smtClean="0"/>
+              <a:t>... but we can</a:t>
+            </a:r>
           </a:p>
         </p:txBody>
       </p:sp>
@@ -5434,7 +7152,236 @@
   <p:timing>
     <p:tnLst>
       <p:par>
-        <p:cTn id="1" dur="indefinite" restart="never" nodeType="tmRoot"/>
+        <p:cTn id="1" dur="indefinite" restart="never" nodeType="tmRoot">
+          <p:childTnLst>
+            <p:seq concurrent="1" nextAc="seek">
+              <p:cTn id="2" dur="indefinite" nodeType="mainSeq">
+                <p:childTnLst>
+                  <p:par>
+                    <p:cTn id="3" fill="hold">
+                      <p:stCondLst>
+                        <p:cond delay="indefinite"/>
+                      </p:stCondLst>
+                      <p:childTnLst>
+                        <p:par>
+                          <p:cTn id="4" fill="hold">
+                            <p:stCondLst>
+                              <p:cond delay="0"/>
+                            </p:stCondLst>
+                            <p:childTnLst>
+                              <p:par>
+                                <p:cTn id="5" presetID="2" presetClass="entr" presetSubtype="2" fill="hold" nodeType="clickEffect">
+                                  <p:stCondLst>
+                                    <p:cond delay="0"/>
+                                  </p:stCondLst>
+                                  <p:childTnLst>
+                                    <p:set>
+                                      <p:cBhvr>
+                                        <p:cTn id="6" dur="1" fill="hold">
+                                          <p:stCondLst>
+                                            <p:cond delay="0"/>
+                                          </p:stCondLst>
+                                        </p:cTn>
+                                        <p:tgtEl>
+                                          <p:spTgt spid="3">
+                                            <p:txEl>
+                                              <p:pRg st="1" end="1"/>
+                                            </p:txEl>
+                                          </p:spTgt>
+                                        </p:tgtEl>
+                                        <p:attrNameLst>
+                                          <p:attrName>style.visibility</p:attrName>
+                                        </p:attrNameLst>
+                                      </p:cBhvr>
+                                      <p:to>
+                                        <p:strVal val="visible"/>
+                                      </p:to>
+                                    </p:set>
+                                    <p:anim calcmode="lin" valueType="num">
+                                      <p:cBhvr additive="base">
+                                        <p:cTn id="7" dur="500" fill="hold"/>
+                                        <p:tgtEl>
+                                          <p:spTgt spid="3">
+                                            <p:txEl>
+                                              <p:pRg st="1" end="1"/>
+                                            </p:txEl>
+                                          </p:spTgt>
+                                        </p:tgtEl>
+                                        <p:attrNameLst>
+                                          <p:attrName>ppt_x</p:attrName>
+                                        </p:attrNameLst>
+                                      </p:cBhvr>
+                                      <p:tavLst>
+                                        <p:tav tm="0">
+                                          <p:val>
+                                            <p:strVal val="1+#ppt_w/2"/>
+                                          </p:val>
+                                        </p:tav>
+                                        <p:tav tm="100000">
+                                          <p:val>
+                                            <p:strVal val="#ppt_x"/>
+                                          </p:val>
+                                        </p:tav>
+                                      </p:tavLst>
+                                    </p:anim>
+                                    <p:anim calcmode="lin" valueType="num">
+                                      <p:cBhvr additive="base">
+                                        <p:cTn id="8" dur="500" fill="hold"/>
+                                        <p:tgtEl>
+                                          <p:spTgt spid="3">
+                                            <p:txEl>
+                                              <p:pRg st="1" end="1"/>
+                                            </p:txEl>
+                                          </p:spTgt>
+                                        </p:tgtEl>
+                                        <p:attrNameLst>
+                                          <p:attrName>ppt_y</p:attrName>
+                                        </p:attrNameLst>
+                                      </p:cBhvr>
+                                      <p:tavLst>
+                                        <p:tav tm="0">
+                                          <p:val>
+                                            <p:strVal val="#ppt_y"/>
+                                          </p:val>
+                                        </p:tav>
+                                        <p:tav tm="100000">
+                                          <p:val>
+                                            <p:strVal val="#ppt_y"/>
+                                          </p:val>
+                                        </p:tav>
+                                      </p:tavLst>
+                                    </p:anim>
+                                  </p:childTnLst>
+                                </p:cTn>
+                              </p:par>
+                            </p:childTnLst>
+                          </p:cTn>
+                        </p:par>
+                      </p:childTnLst>
+                    </p:cTn>
+                  </p:par>
+                  <p:par>
+                    <p:cTn id="9" fill="hold">
+                      <p:stCondLst>
+                        <p:cond delay="indefinite"/>
+                      </p:stCondLst>
+                      <p:childTnLst>
+                        <p:par>
+                          <p:cTn id="10" fill="hold">
+                            <p:stCondLst>
+                              <p:cond delay="0"/>
+                            </p:stCondLst>
+                            <p:childTnLst>
+                              <p:par>
+                                <p:cTn id="11" presetID="2" presetClass="entr" presetSubtype="2" fill="hold" nodeType="clickEffect">
+                                  <p:stCondLst>
+                                    <p:cond delay="0"/>
+                                  </p:stCondLst>
+                                  <p:childTnLst>
+                                    <p:set>
+                                      <p:cBhvr>
+                                        <p:cTn id="12" dur="1" fill="hold">
+                                          <p:stCondLst>
+                                            <p:cond delay="0"/>
+                                          </p:stCondLst>
+                                        </p:cTn>
+                                        <p:tgtEl>
+                                          <p:spTgt spid="3">
+                                            <p:txEl>
+                                              <p:pRg st="2" end="2"/>
+                                            </p:txEl>
+                                          </p:spTgt>
+                                        </p:tgtEl>
+                                        <p:attrNameLst>
+                                          <p:attrName>style.visibility</p:attrName>
+                                        </p:attrNameLst>
+                                      </p:cBhvr>
+                                      <p:to>
+                                        <p:strVal val="visible"/>
+                                      </p:to>
+                                    </p:set>
+                                    <p:anim calcmode="lin" valueType="num">
+                                      <p:cBhvr additive="base">
+                                        <p:cTn id="13" dur="500" fill="hold"/>
+                                        <p:tgtEl>
+                                          <p:spTgt spid="3">
+                                            <p:txEl>
+                                              <p:pRg st="2" end="2"/>
+                                            </p:txEl>
+                                          </p:spTgt>
+                                        </p:tgtEl>
+                                        <p:attrNameLst>
+                                          <p:attrName>ppt_x</p:attrName>
+                                        </p:attrNameLst>
+                                      </p:cBhvr>
+                                      <p:tavLst>
+                                        <p:tav tm="0">
+                                          <p:val>
+                                            <p:strVal val="1+#ppt_w/2"/>
+                                          </p:val>
+                                        </p:tav>
+                                        <p:tav tm="100000">
+                                          <p:val>
+                                            <p:strVal val="#ppt_x"/>
+                                          </p:val>
+                                        </p:tav>
+                                      </p:tavLst>
+                                    </p:anim>
+                                    <p:anim calcmode="lin" valueType="num">
+                                      <p:cBhvr additive="base">
+                                        <p:cTn id="14" dur="500" fill="hold"/>
+                                        <p:tgtEl>
+                                          <p:spTgt spid="3">
+                                            <p:txEl>
+                                              <p:pRg st="2" end="2"/>
+                                            </p:txEl>
+                                          </p:spTgt>
+                                        </p:tgtEl>
+                                        <p:attrNameLst>
+                                          <p:attrName>ppt_y</p:attrName>
+                                        </p:attrNameLst>
+                                      </p:cBhvr>
+                                      <p:tavLst>
+                                        <p:tav tm="0">
+                                          <p:val>
+                                            <p:strVal val="#ppt_y"/>
+                                          </p:val>
+                                        </p:tav>
+                                        <p:tav tm="100000">
+                                          <p:val>
+                                            <p:strVal val="#ppt_y"/>
+                                          </p:val>
+                                        </p:tav>
+                                      </p:tavLst>
+                                    </p:anim>
+                                  </p:childTnLst>
+                                </p:cTn>
+                              </p:par>
+                            </p:childTnLst>
+                          </p:cTn>
+                        </p:par>
+                      </p:childTnLst>
+                    </p:cTn>
+                  </p:par>
+                </p:childTnLst>
+              </p:cTn>
+              <p:prevCondLst>
+                <p:cond evt="onPrev" delay="0">
+                  <p:tgtEl>
+                    <p:sldTgt/>
+                  </p:tgtEl>
+                </p:cond>
+              </p:prevCondLst>
+              <p:nextCondLst>
+                <p:cond evt="onNext" delay="0">
+                  <p:tgtEl>
+                    <p:sldTgt/>
+                  </p:tgtEl>
+                </p:cond>
+              </p:nextCondLst>
+            </p:seq>
+          </p:childTnLst>
+        </p:cTn>
       </p:par>
     </p:tnLst>
   </p:timing>
@@ -5475,7 +7422,7 @@
           <a:p>
             <a:r>
               <a:rPr lang="en-US" dirty="0" smtClean="0"/>
-              <a:t>DON’T PANIC!</a:t>
+              <a:t>Secretary</a:t>
             </a:r>
             <a:endParaRPr lang="en-US" dirty="0"/>
           </a:p>
@@ -5493,36 +7440,60 @@
         </p:nvSpPr>
         <p:spPr/>
         <p:txBody>
-          <a:bodyPr>
-            <a:normAutofit/>
-          </a:bodyPr>
-          <a:lstStyle/>
-          <a:p>
-            <a:pPr algn="ctr">
-              <a:buNone/>
-            </a:pPr>
-            <a:r>
-              <a:rPr lang="en-US" sz="7200" b="1" dirty="0" smtClean="0"/>
-              <a:t>GIT WILL FIX IT!</a:t>
-            </a:r>
-          </a:p>
-          <a:p>
-            <a:pPr lvl="3">
-              <a:buNone/>
-            </a:pPr>
-            <a:r>
-              <a:rPr lang="en-US" sz="1000" dirty="0" smtClean="0"/>
-              <a:t>... no it won’t</a:t>
-            </a:r>
-          </a:p>
-          <a:p>
-            <a:pPr lvl="3">
-              <a:buNone/>
-            </a:pPr>
-            <a:r>
-              <a:rPr lang="en-US" sz="1000" dirty="0" smtClean="0"/>
-              <a:t>... but we can</a:t>
-            </a:r>
+          <a:bodyPr/>
+          <a:lstStyle/>
+          <a:p>
+            <a:r>
+              <a:rPr lang="en-US" dirty="0" smtClean="0"/>
+              <a:t>On the plus side, I think </a:t>
+            </a:r>
+            <a:r>
+              <a:rPr lang="en-US" dirty="0" err="1" smtClean="0"/>
+              <a:t>git</a:t>
+            </a:r>
+            <a:r>
+              <a:rPr lang="en-US" dirty="0" smtClean="0"/>
+              <a:t> will mostly fix this…</a:t>
+            </a:r>
+          </a:p>
+          <a:p>
+            <a:r>
+              <a:rPr lang="en-US" dirty="0" smtClean="0"/>
+              <a:t>A problem with the tools</a:t>
+            </a:r>
+          </a:p>
+          <a:p>
+            <a:pPr lvl="1"/>
+            <a:r>
+              <a:rPr lang="en-US" dirty="0" err="1" smtClean="0"/>
+              <a:t>TortoiseSVN</a:t>
+            </a:r>
+            <a:r>
+              <a:rPr lang="en-US" dirty="0" smtClean="0"/>
+              <a:t> sucks at finding new files</a:t>
+            </a:r>
+          </a:p>
+          <a:p>
+            <a:r>
+              <a:rPr lang="en-US" dirty="0" smtClean="0"/>
+              <a:t>“</a:t>
+            </a:r>
+            <a:r>
+              <a:rPr lang="en-US" dirty="0" err="1" smtClean="0"/>
+              <a:t>git</a:t>
+            </a:r>
+            <a:r>
+              <a:rPr lang="en-US" dirty="0" smtClean="0"/>
+              <a:t> add -A .” will, without a doubt, find all files.</a:t>
+            </a:r>
+          </a:p>
+          <a:p>
+            <a:pPr lvl="1"/>
+            <a:r>
+              <a:rPr lang="en-US" dirty="0" smtClean="0"/>
+              <a:t>But don’t forget the “-A”</a:t>
+            </a:r>
+            <a:endParaRPr lang="en-US" dirty="0"/>
           </a:p>
         </p:txBody>
       </p:sp>
@@ -5648,6 +7619,13 @@
   <p:clrMapOvr>
     <a:masterClrMapping/>
   </p:clrMapOvr>
+  <p:timing>
+    <p:tnLst>
+      <p:par>
+        <p:cTn id="1" dur="indefinite" restart="never" nodeType="tmRoot"/>
+      </p:par>
+    </p:tnLst>
+  </p:timing>
 </p:sld>
 </file>
 
@@ -5701,7 +7679,12 @@
             <p:ph sz="quarter" idx="1"/>
           </p:nvPr>
         </p:nvSpPr>
-        <p:spPr/>
+        <p:spPr>
+          <a:xfrm>
+            <a:off x="457200" y="1600200"/>
+            <a:ext cx="7467600" cy="4343400"/>
+          </a:xfrm>
+        </p:spPr>
         <p:txBody>
           <a:bodyPr/>
           <a:lstStyle/>
@@ -5714,19 +7697,33 @@
           <a:p>
             <a:r>
               <a:rPr lang="en-US" dirty="0" smtClean="0"/>
-              <a:t>Never, ever.</a:t>
-            </a:r>
-          </a:p>
-          <a:p>
-            <a:r>
-              <a:rPr lang="en-US" dirty="0" smtClean="0"/>
-              <a:t>Why?   Because Fast-forward merges</a:t>
-            </a:r>
-            <a:r>
-              <a:rPr lang="en-US" smtClean="0"/>
-              <a:t>, that’s why.</a:t>
-            </a:r>
-            <a:endParaRPr lang="en-US"/>
+              <a:t>NEVER, </a:t>
+            </a:r>
+            <a:r>
+              <a:rPr lang="en-US" dirty="0" smtClean="0"/>
+              <a:t>ever.</a:t>
+            </a:r>
+          </a:p>
+          <a:p>
+            <a:r>
+              <a:rPr lang="en-US" dirty="0" smtClean="0"/>
+              <a:t>Why? </a:t>
+            </a:r>
+            <a:endParaRPr lang="en-US" dirty="0" smtClean="0"/>
+          </a:p>
+          <a:p>
+            <a:pPr lvl="1"/>
+            <a:r>
+              <a:rPr lang="en-US" dirty="0" smtClean="0"/>
+              <a:t>Fast-Forward Merges</a:t>
+            </a:r>
+          </a:p>
+          <a:p>
+            <a:pPr lvl="1"/>
+            <a:r>
+              <a:rPr lang="en-US" dirty="0" smtClean="0"/>
+              <a:t>No untested code in master</a:t>
+            </a:r>
           </a:p>
         </p:txBody>
       </p:sp>
@@ -5735,6 +7732,246 @@
   <p:clrMapOvr>
     <a:masterClrMapping/>
   </p:clrMapOvr>
+  <p:timing>
+    <p:tnLst>
+      <p:par>
+        <p:cTn id="1" dur="indefinite" restart="never" nodeType="tmRoot"/>
+      </p:par>
+    </p:tnLst>
+  </p:timing>
+</p:sld>
+</file>
+
+<file path=ppt/slides/slide8.xml><?xml version="1.0" encoding="utf-8"?>
+<p:sld xmlns:a="http://schemas.openxmlformats.org/drawingml/2006/main" xmlns:r="http://schemas.openxmlformats.org/officeDocument/2006/relationships" xmlns:p="http://schemas.openxmlformats.org/presentationml/2006/main">
+  <p:cSld>
+    <p:spTree>
+      <p:nvGrpSpPr>
+        <p:cNvPr id="1" name=""/>
+        <p:cNvGrpSpPr/>
+        <p:nvPr/>
+      </p:nvGrpSpPr>
+      <p:grpSpPr>
+        <a:xfrm>
+          <a:off x="0" y="0"/>
+          <a:ext cx="0" cy="0"/>
+          <a:chOff x="0" y="0"/>
+          <a:chExt cx="0" cy="0"/>
+        </a:xfrm>
+      </p:grpSpPr>
+      <p:sp>
+        <p:nvSpPr>
+          <p:cNvPr id="2" name="Title 1"/>
+          <p:cNvSpPr>
+            <a:spLocks noGrp="1"/>
+          </p:cNvSpPr>
+          <p:nvPr>
+            <p:ph type="title"/>
+          </p:nvPr>
+        </p:nvSpPr>
+        <p:spPr/>
+        <p:txBody>
+          <a:bodyPr/>
+          <a:lstStyle/>
+          <a:p>
+            <a:r>
+              <a:rPr lang="en-US" dirty="0" smtClean="0"/>
+              <a:t>Solution #2: Commit Early, Commit Often</a:t>
+            </a:r>
+            <a:endParaRPr lang="en-US" dirty="0"/>
+          </a:p>
+        </p:txBody>
+      </p:sp>
+      <p:sp>
+        <p:nvSpPr>
+          <p:cNvPr id="3" name="Content Placeholder 2"/>
+          <p:cNvSpPr>
+            <a:spLocks noGrp="1"/>
+          </p:cNvSpPr>
+          <p:nvPr>
+            <p:ph sz="quarter" idx="1"/>
+          </p:nvPr>
+        </p:nvSpPr>
+        <p:spPr/>
+        <p:txBody>
+          <a:bodyPr/>
+          <a:lstStyle/>
+          <a:p>
+            <a:r>
+              <a:rPr lang="en-US" dirty="0" smtClean="0"/>
+              <a:t>Topic branches</a:t>
+            </a:r>
+          </a:p>
+          <a:p>
+            <a:pPr lvl="1"/>
+            <a:r>
+              <a:rPr lang="en-US" dirty="0" smtClean="0"/>
+              <a:t>Branching is free and easy</a:t>
+            </a:r>
+          </a:p>
+          <a:p>
+            <a:r>
+              <a:rPr lang="en-US" dirty="0" smtClean="0"/>
+              <a:t>Commit often</a:t>
+            </a:r>
+          </a:p>
+          <a:p>
+            <a:pPr lvl="1"/>
+            <a:r>
+              <a:rPr lang="en-US" dirty="0" smtClean="0"/>
+              <a:t>More history</a:t>
+            </a:r>
+          </a:p>
+          <a:p>
+            <a:r>
+              <a:rPr lang="en-US" dirty="0" smtClean="0"/>
+              <a:t>Why?</a:t>
+            </a:r>
+          </a:p>
+          <a:p>
+            <a:pPr lvl="1"/>
+            <a:r>
+              <a:rPr lang="en-US" dirty="0" smtClean="0"/>
+              <a:t>Easier merges into develop</a:t>
+            </a:r>
+          </a:p>
+          <a:p>
+            <a:pPr lvl="1"/>
+            <a:r>
+              <a:rPr lang="en-US" dirty="0" smtClean="0"/>
+              <a:t>“</a:t>
+            </a:r>
+            <a:r>
+              <a:rPr lang="en-US" dirty="0" err="1" smtClean="0"/>
+              <a:t>git</a:t>
+            </a:r>
+            <a:r>
+              <a:rPr lang="en-US" dirty="0" smtClean="0"/>
+              <a:t> cherry-pick” if needed</a:t>
+            </a:r>
+          </a:p>
+          <a:p>
+            <a:pPr lvl="1"/>
+            <a:r>
+              <a:rPr lang="en-US" dirty="0" smtClean="0"/>
+              <a:t>“</a:t>
+            </a:r>
+            <a:r>
+              <a:rPr lang="en-US" dirty="0" err="1" smtClean="0"/>
+              <a:t>git</a:t>
+            </a:r>
+            <a:r>
+              <a:rPr lang="en-US" dirty="0" smtClean="0"/>
+              <a:t> bisect” if things go wrong</a:t>
+            </a:r>
+          </a:p>
+          <a:p>
+            <a:pPr lvl="1"/>
+            <a:r>
+              <a:rPr lang="en-US" dirty="0" smtClean="0"/>
+              <a:t>Less to lose if everything goes wrong</a:t>
+            </a:r>
+          </a:p>
+          <a:p>
+            <a:pPr lvl="1"/>
+            <a:endParaRPr lang="en-US" dirty="0"/>
+          </a:p>
+        </p:txBody>
+      </p:sp>
+    </p:spTree>
+  </p:cSld>
+  <p:clrMapOvr>
+    <a:masterClrMapping/>
+  </p:clrMapOvr>
+  <p:timing>
+    <p:tnLst>
+      <p:par>
+        <p:cTn id="1" dur="indefinite" restart="never" nodeType="tmRoot"/>
+      </p:par>
+    </p:tnLst>
+  </p:timing>
+</p:sld>
+</file>
+
+<file path=ppt/slides/slide9.xml><?xml version="1.0" encoding="utf-8"?>
+<p:sld xmlns:a="http://schemas.openxmlformats.org/drawingml/2006/main" xmlns:r="http://schemas.openxmlformats.org/officeDocument/2006/relationships" xmlns:p="http://schemas.openxmlformats.org/presentationml/2006/main">
+  <p:cSld>
+    <p:spTree>
+      <p:nvGrpSpPr>
+        <p:cNvPr id="1" name=""/>
+        <p:cNvGrpSpPr/>
+        <p:nvPr/>
+      </p:nvGrpSpPr>
+      <p:grpSpPr>
+        <a:xfrm>
+          <a:off x="0" y="0"/>
+          <a:ext cx="0" cy="0"/>
+          <a:chOff x="0" y="0"/>
+          <a:chExt cx="0" cy="0"/>
+        </a:xfrm>
+      </p:grpSpPr>
+      <p:sp>
+        <p:nvSpPr>
+          <p:cNvPr id="2" name="Title 1"/>
+          <p:cNvSpPr>
+            <a:spLocks noGrp="1"/>
+          </p:cNvSpPr>
+          <p:nvPr>
+            <p:ph type="title"/>
+          </p:nvPr>
+        </p:nvSpPr>
+        <p:spPr/>
+        <p:txBody>
+          <a:bodyPr/>
+          <a:lstStyle/>
+          <a:p>
+            <a:r>
+              <a:rPr lang="en-US" dirty="0" smtClean="0"/>
+              <a:t>Introducing: </a:t>
+            </a:r>
+            <a:r>
+              <a:rPr lang="en-US" dirty="0" err="1" smtClean="0"/>
+              <a:t>GitFlow</a:t>
+            </a:r>
+            <a:endParaRPr lang="en-US" dirty="0"/>
+          </a:p>
+        </p:txBody>
+      </p:sp>
+      <p:pic>
+        <p:nvPicPr>
+          <p:cNvPr id="4" name="Content Placeholder 3" descr="Screen-shot-2009-12-24-at-11.32.03.png"/>
+          <p:cNvPicPr>
+            <a:picLocks noGrp="1" noChangeAspect="1"/>
+          </p:cNvPicPr>
+          <p:nvPr>
+            <p:ph sz="quarter" idx="1"/>
+          </p:nvPr>
+        </p:nvPicPr>
+        <p:blipFill>
+          <a:blip r:embed="rId3" cstate="print"/>
+          <a:stretch>
+            <a:fillRect/>
+          </a:stretch>
+        </p:blipFill>
+        <p:spPr>
+          <a:xfrm>
+            <a:off x="2364138" y="1600200"/>
+            <a:ext cx="3653724" cy="4873625"/>
+          </a:xfrm>
+        </p:spPr>
+      </p:pic>
+    </p:spTree>
+  </p:cSld>
+  <p:clrMapOvr>
+    <a:masterClrMapping/>
+  </p:clrMapOvr>
+  <p:timing>
+    <p:tnLst>
+      <p:par>
+        <p:cTn id="1" dur="indefinite" restart="never" nodeType="tmRoot"/>
+      </p:par>
+    </p:tnLst>
+  </p:timing>
 </p:sld>
 </file>
 
@@ -6029,4 +8266,287 @@
   <a:objectDefaults/>
   <a:extraClrSchemeLst/>
 </a:theme>
+</file>
+
+<file path=ppt/theme/theme2.xml><?xml version="1.0" encoding="utf-8"?>
+<a:theme xmlns:a="http://schemas.openxmlformats.org/drawingml/2006/main" name="Office Theme">
+  <a:themeElements>
+    <a:clrScheme name="Office">
+      <a:dk1>
+        <a:sysClr val="windowText" lastClr="000000"/>
+      </a:dk1>
+      <a:lt1>
+        <a:sysClr val="window" lastClr="FFFFFF"/>
+      </a:lt1>
+      <a:dk2>
+        <a:srgbClr val="1F497D"/>
+      </a:dk2>
+      <a:lt2>
+        <a:srgbClr val="EEECE1"/>
+      </a:lt2>
+      <a:accent1>
+        <a:srgbClr val="4F81BD"/>
+      </a:accent1>
+      <a:accent2>
+        <a:srgbClr val="C0504D"/>
+      </a:accent2>
+      <a:accent3>
+        <a:srgbClr val="9BBB59"/>
+      </a:accent3>
+      <a:accent4>
+        <a:srgbClr val="8064A2"/>
+      </a:accent4>
+      <a:accent5>
+        <a:srgbClr val="4BACC6"/>
+      </a:accent5>
+      <a:accent6>
+        <a:srgbClr val="F79646"/>
+      </a:accent6>
+      <a:hlink>
+        <a:srgbClr val="0000FF"/>
+      </a:hlink>
+      <a:folHlink>
+        <a:srgbClr val="800080"/>
+      </a:folHlink>
+    </a:clrScheme>
+    <a:fontScheme name="Office">
+      <a:majorFont>
+        <a:latin typeface="Calibri"/>
+        <a:ea typeface=""/>
+        <a:cs typeface=""/>
+        <a:font script="Jpan" typeface="ＭＳ Ｐゴシック"/>
+        <a:font script="Hang" typeface="맑은 고딕"/>
+        <a:font script="Hans" typeface="宋体"/>
+        <a:font script="Hant" typeface="新細明體"/>
+        <a:font script="Arab" typeface="Times New Roman"/>
+        <a:font script="Hebr" typeface="Times New Roman"/>
+        <a:font script="Thai" typeface="Angsana New"/>
+        <a:font script="Ethi" typeface="Nyala"/>
+        <a:font script="Beng" typeface="Vrinda"/>
+        <a:font script="Gujr" typeface="Shruti"/>
+        <a:font script="Khmr" typeface="MoolBoran"/>
+        <a:font script="Knda" typeface="Tunga"/>
+        <a:font script="Guru" typeface="Raavi"/>
+        <a:font script="Cans" typeface="Euphemia"/>
+        <a:font script="Cher" typeface="Plantagenet Cherokee"/>
+        <a:font script="Yiii" typeface="Microsoft Yi Baiti"/>
+        <a:font script="Tibt" typeface="Microsoft Himalaya"/>
+        <a:font script="Thaa" typeface="MV Boli"/>
+        <a:font script="Deva" typeface="Mangal"/>
+        <a:font script="Telu" typeface="Gautami"/>
+        <a:font script="Taml" typeface="Latha"/>
+        <a:font script="Syrc" typeface="Estrangelo Edessa"/>
+        <a:font script="Orya" typeface="Kalinga"/>
+        <a:font script="Mlym" typeface="Kartika"/>
+        <a:font script="Laoo" typeface="DokChampa"/>
+        <a:font script="Sinh" typeface="Iskoola Pota"/>
+        <a:font script="Mong" typeface="Mongolian Baiti"/>
+        <a:font script="Viet" typeface="Times New Roman"/>
+        <a:font script="Uigh" typeface="Microsoft Uighur"/>
+      </a:majorFont>
+      <a:minorFont>
+        <a:latin typeface="Calibri"/>
+        <a:ea typeface=""/>
+        <a:cs typeface=""/>
+        <a:font script="Jpan" typeface="ＭＳ Ｐゴシック"/>
+        <a:font script="Hang" typeface="맑은 고딕"/>
+        <a:font script="Hans" typeface="宋体"/>
+        <a:font script="Hant" typeface="新細明體"/>
+        <a:font script="Arab" typeface="Arial"/>
+        <a:font script="Hebr" typeface="Arial"/>
+        <a:font script="Thai" typeface="Cordia New"/>
+        <a:font script="Ethi" typeface="Nyala"/>
+        <a:font script="Beng" typeface="Vrinda"/>
+        <a:font script="Gujr" typeface="Shruti"/>
+        <a:font script="Khmr" typeface="DaunPenh"/>
+        <a:font script="Knda" typeface="Tunga"/>
+        <a:font script="Guru" typeface="Raavi"/>
+        <a:font script="Cans" typeface="Euphemia"/>
+        <a:font script="Cher" typeface="Plantagenet Cherokee"/>
+        <a:font script="Yiii" typeface="Microsoft Yi Baiti"/>
+        <a:font script="Tibt" typeface="Microsoft Himalaya"/>
+        <a:font script="Thaa" typeface="MV Boli"/>
+        <a:font script="Deva" typeface="Mangal"/>
+        <a:font script="Telu" typeface="Gautami"/>
+        <a:font script="Taml" typeface="Latha"/>
+        <a:font script="Syrc" typeface="Estrangelo Edessa"/>
+        <a:font script="Orya" typeface="Kalinga"/>
+        <a:font script="Mlym" typeface="Kartika"/>
+        <a:font script="Laoo" typeface="DokChampa"/>
+        <a:font script="Sinh" typeface="Iskoola Pota"/>
+        <a:font script="Mong" typeface="Mongolian Baiti"/>
+        <a:font script="Viet" typeface="Arial"/>
+        <a:font script="Uigh" typeface="Microsoft Uighur"/>
+      </a:minorFont>
+    </a:fontScheme>
+    <a:fmtScheme name="Office">
+      <a:fillStyleLst>
+        <a:solidFill>
+          <a:schemeClr val="phClr"/>
+        </a:solidFill>
+        <a:gradFill rotWithShape="1">
+          <a:gsLst>
+            <a:gs pos="0">
+              <a:schemeClr val="phClr">
+                <a:tint val="50000"/>
+                <a:satMod val="300000"/>
+              </a:schemeClr>
+            </a:gs>
+            <a:gs pos="35000">
+              <a:schemeClr val="phClr">
+                <a:tint val="37000"/>
+                <a:satMod val="300000"/>
+              </a:schemeClr>
+            </a:gs>
+            <a:gs pos="100000">
+              <a:schemeClr val="phClr">
+                <a:tint val="15000"/>
+                <a:satMod val="350000"/>
+              </a:schemeClr>
+            </a:gs>
+          </a:gsLst>
+          <a:lin ang="16200000" scaled="1"/>
+        </a:gradFill>
+        <a:gradFill rotWithShape="1">
+          <a:gsLst>
+            <a:gs pos="0">
+              <a:schemeClr val="phClr">
+                <a:shade val="51000"/>
+                <a:satMod val="130000"/>
+              </a:schemeClr>
+            </a:gs>
+            <a:gs pos="80000">
+              <a:schemeClr val="phClr">
+                <a:shade val="93000"/>
+                <a:satMod val="130000"/>
+              </a:schemeClr>
+            </a:gs>
+            <a:gs pos="100000">
+              <a:schemeClr val="phClr">
+                <a:shade val="94000"/>
+                <a:satMod val="135000"/>
+              </a:schemeClr>
+            </a:gs>
+          </a:gsLst>
+          <a:lin ang="16200000" scaled="0"/>
+        </a:gradFill>
+      </a:fillStyleLst>
+      <a:lnStyleLst>
+        <a:ln w="9525" cap="flat" cmpd="sng" algn="ctr">
+          <a:solidFill>
+            <a:schemeClr val="phClr">
+              <a:shade val="95000"/>
+              <a:satMod val="105000"/>
+            </a:schemeClr>
+          </a:solidFill>
+          <a:prstDash val="solid"/>
+        </a:ln>
+        <a:ln w="25400" cap="flat" cmpd="sng" algn="ctr">
+          <a:solidFill>
+            <a:schemeClr val="phClr"/>
+          </a:solidFill>
+          <a:prstDash val="solid"/>
+        </a:ln>
+        <a:ln w="38100" cap="flat" cmpd="sng" algn="ctr">
+          <a:solidFill>
+            <a:schemeClr val="phClr"/>
+          </a:solidFill>
+          <a:prstDash val="solid"/>
+        </a:ln>
+      </a:lnStyleLst>
+      <a:effectStyleLst>
+        <a:effectStyle>
+          <a:effectLst>
+            <a:outerShdw blurRad="40000" dist="20000" dir="5400000" rotWithShape="0">
+              <a:srgbClr val="000000">
+                <a:alpha val="38000"/>
+              </a:srgbClr>
+            </a:outerShdw>
+          </a:effectLst>
+        </a:effectStyle>
+        <a:effectStyle>
+          <a:effectLst>
+            <a:outerShdw blurRad="40000" dist="23000" dir="5400000" rotWithShape="0">
+              <a:srgbClr val="000000">
+                <a:alpha val="35000"/>
+              </a:srgbClr>
+            </a:outerShdw>
+          </a:effectLst>
+        </a:effectStyle>
+        <a:effectStyle>
+          <a:effectLst>
+            <a:outerShdw blurRad="40000" dist="23000" dir="5400000" rotWithShape="0">
+              <a:srgbClr val="000000">
+                <a:alpha val="35000"/>
+              </a:srgbClr>
+            </a:outerShdw>
+          </a:effectLst>
+          <a:scene3d>
+            <a:camera prst="orthographicFront">
+              <a:rot lat="0" lon="0" rev="0"/>
+            </a:camera>
+            <a:lightRig rig="threePt" dir="t">
+              <a:rot lat="0" lon="0" rev="1200000"/>
+            </a:lightRig>
+          </a:scene3d>
+          <a:sp3d>
+            <a:bevelT w="63500" h="25400"/>
+          </a:sp3d>
+        </a:effectStyle>
+      </a:effectStyleLst>
+      <a:bgFillStyleLst>
+        <a:solidFill>
+          <a:schemeClr val="phClr"/>
+        </a:solidFill>
+        <a:gradFill rotWithShape="1">
+          <a:gsLst>
+            <a:gs pos="0">
+              <a:schemeClr val="phClr">
+                <a:tint val="40000"/>
+                <a:satMod val="350000"/>
+              </a:schemeClr>
+            </a:gs>
+            <a:gs pos="40000">
+              <a:schemeClr val="phClr">
+                <a:tint val="45000"/>
+                <a:shade val="99000"/>
+                <a:satMod val="350000"/>
+              </a:schemeClr>
+            </a:gs>
+            <a:gs pos="100000">
+              <a:schemeClr val="phClr">
+                <a:shade val="20000"/>
+                <a:satMod val="255000"/>
+              </a:schemeClr>
+            </a:gs>
+          </a:gsLst>
+          <a:path path="circle">
+            <a:fillToRect l="50000" t="-80000" r="50000" b="180000"/>
+          </a:path>
+        </a:gradFill>
+        <a:gradFill rotWithShape="1">
+          <a:gsLst>
+            <a:gs pos="0">
+              <a:schemeClr val="phClr">
+                <a:tint val="80000"/>
+                <a:satMod val="300000"/>
+              </a:schemeClr>
+            </a:gs>
+            <a:gs pos="100000">
+              <a:schemeClr val="phClr">
+                <a:shade val="30000"/>
+                <a:satMod val="200000"/>
+              </a:schemeClr>
+            </a:gs>
+          </a:gsLst>
+          <a:path path="circle">
+            <a:fillToRect l="50000" t="50000" r="50000" b="50000"/>
+          </a:path>
+        </a:gradFill>
+      </a:bgFillStyleLst>
+    </a:fmtScheme>
+  </a:themeElements>
+  <a:objectDefaults/>
+  <a:extraClrSchemeLst/>
+</a:theme>
 </file>